--- a/mysql全文检索.pptx
+++ b/mysql全文检索.pptx
@@ -9398,11 +9398,11 @@
   <p:clrMapOvr>
     <a:masterClrMapping/>
   </p:clrMapOvr>
-  <mc:AlternateContent xmlns:mc="http://schemas.openxmlformats.org/markup-compatibility/2006">
-    <mc:Choice xmlns:p14="http://schemas.microsoft.com/office/powerpoint/2010/main" Requires="p14">
+  <mc:AlternateContent xmlns:mc="http://schemas.openxmlformats.org/markup-compatibility/2006" xmlns:p14="http://schemas.microsoft.com/office/powerpoint/2010/main">
+    <mc:Choice Requires="p14">
       <p:transition p14:dur="0"/>
     </mc:Choice>
-    <mc:Fallback>
+    <mc:Fallback xmlns="">
       <p:transition/>
     </mc:Fallback>
   </mc:AlternateContent>
@@ -9810,7 +9810,11 @@
             </a:r>
             <a:r>
               <a:rPr lang="zh-CN" altLang="en-US" dirty="0" smtClean="0"/>
-              <a:t>（相关性查询）</a:t>
+              <a:t>（扩展查询</a:t>
+            </a:r>
+            <a:r>
+              <a:rPr lang="zh-CN" altLang="en-US" dirty="0" smtClean="0"/>
+              <a:t>）</a:t>
             </a:r>
             <a:endParaRPr lang="en-US" altLang="zh-CN" dirty="0"/>
           </a:p>
@@ -9903,8 +9907,32 @@
         </p:blipFill>
         <p:spPr>
           <a:xfrm>
-            <a:off x="172995" y="3875388"/>
+            <a:off x="280087" y="5498242"/>
             <a:ext cx="11582400" cy="952500"/>
+          </a:xfrm>
+          <a:prstGeom prst="rect">
+            <a:avLst/>
+          </a:prstGeom>
+        </p:spPr>
+      </p:pic>
+      <p:pic>
+        <p:nvPicPr>
+          <p:cNvPr id="4" name="图片 3"/>
+          <p:cNvPicPr>
+            <a:picLocks noChangeAspect="1"/>
+          </p:cNvPicPr>
+          <p:nvPr/>
+        </p:nvPicPr>
+        <p:blipFill>
+          <a:blip r:embed="rId4"/>
+          <a:stretch>
+            <a:fillRect/>
+          </a:stretch>
+        </p:blipFill>
+        <p:spPr>
+          <a:xfrm>
+            <a:off x="1552833" y="3265973"/>
+            <a:ext cx="8229600" cy="1838325"/>
           </a:xfrm>
           <a:prstGeom prst="rect">
             <a:avLst/>
@@ -10180,7 +10208,6 @@
               <a:rPr lang="en-US" altLang="zh-CN" dirty="0" smtClean="0"/>
               <a:t>';</a:t>
             </a:r>
-            <a:endParaRPr lang="en-US" altLang="zh-CN" dirty="0" smtClean="0"/>
           </a:p>
           <a:p>
             <a:pPr lvl="1"/>
@@ -10449,11 +10476,7 @@
             </a:r>
             <a:r>
               <a:rPr lang="en-US" altLang="zh-CN" sz="3200" dirty="0" smtClean="0"/>
-              <a:t>like </a:t>
-            </a:r>
-            <a:r>
-              <a:rPr lang="en-US" altLang="zh-CN" sz="3200" dirty="0" smtClean="0"/>
-              <a:t>'%%'</a:t>
+              <a:t>like '%%'</a:t>
             </a:r>
             <a:endParaRPr lang="zh-CN" altLang="en-US" sz="3200" dirty="0"/>
           </a:p>
@@ -10499,7 +10522,6 @@
               <a:rPr lang="en-US" altLang="zh-CN" sz="1800" dirty="0" smtClean="0"/>
               <a:t>%';</a:t>
             </a:r>
-            <a:endParaRPr lang="en-US" altLang="zh-CN" sz="1800" dirty="0" smtClean="0"/>
           </a:p>
           <a:p>
             <a:r>

--- a/mysql全文检索.pptx
+++ b/mysql全文检索.pptx
@@ -7278,6 +7278,36 @@
           </a:p>
         </p:txBody>
       </p:sp>
+      <p:sp>
+        <p:nvSpPr>
+          <p:cNvPr id="3" name="文本框 2"/>
+          <p:cNvSpPr txBox="1"/>
+          <p:nvPr/>
+        </p:nvSpPr>
+        <p:spPr>
+          <a:xfrm>
+            <a:off x="8158655" y="5470635"/>
+            <a:ext cx="877163" cy="369332"/>
+          </a:xfrm>
+          <a:prstGeom prst="rect">
+            <a:avLst/>
+          </a:prstGeom>
+          <a:noFill/>
+        </p:spPr>
+        <p:txBody>
+          <a:bodyPr wrap="none" rtlCol="0">
+            <a:spAutoFit/>
+          </a:bodyPr>
+          <a:lstStyle/>
+          <a:p>
+            <a:r>
+              <a:rPr lang="zh-CN" altLang="en-US" dirty="0" smtClean="0"/>
+              <a:t>郝雪冰</a:t>
+            </a:r>
+            <a:endParaRPr lang="zh-CN" altLang="en-US" dirty="0"/>
+          </a:p>
+        </p:txBody>
+      </p:sp>
     </p:spTree>
     <p:extLst>
       <p:ext uri="{BB962C8B-B14F-4D97-AF65-F5344CB8AC3E}">
@@ -9810,11 +9840,7 @@
             </a:r>
             <a:r>
               <a:rPr lang="zh-CN" altLang="en-US" dirty="0" smtClean="0"/>
-              <a:t>（扩展查询</a:t>
-            </a:r>
-            <a:r>
-              <a:rPr lang="zh-CN" altLang="en-US" dirty="0" smtClean="0"/>
-              <a:t>）</a:t>
+              <a:t>（扩展查询）</a:t>
             </a:r>
             <a:endParaRPr lang="en-US" altLang="zh-CN" dirty="0"/>
           </a:p>

--- a/mysql全文检索.pptx
+++ b/mysql全文检索.pptx
@@ -5,33 +5,34 @@
     <p:sldMasterId id="2147483840" r:id="rId1"/>
   </p:sldMasterIdLst>
   <p:notesMasterIdLst>
-    <p:notesMasterId r:id="rId26"/>
+    <p:notesMasterId r:id="rId27"/>
   </p:notesMasterIdLst>
   <p:sldIdLst>
     <p:sldId id="256" r:id="rId2"/>
     <p:sldId id="259" r:id="rId3"/>
-    <p:sldId id="257" r:id="rId4"/>
-    <p:sldId id="258" r:id="rId5"/>
-    <p:sldId id="260" r:id="rId6"/>
-    <p:sldId id="261" r:id="rId7"/>
-    <p:sldId id="262" r:id="rId8"/>
-    <p:sldId id="263" r:id="rId9"/>
-    <p:sldId id="265" r:id="rId10"/>
-    <p:sldId id="264" r:id="rId11"/>
-    <p:sldId id="266" r:id="rId12"/>
-    <p:sldId id="267" r:id="rId13"/>
-    <p:sldId id="268" r:id="rId14"/>
-    <p:sldId id="269" r:id="rId15"/>
-    <p:sldId id="270" r:id="rId16"/>
-    <p:sldId id="271" r:id="rId17"/>
-    <p:sldId id="272" r:id="rId18"/>
-    <p:sldId id="275" r:id="rId19"/>
-    <p:sldId id="277" r:id="rId20"/>
-    <p:sldId id="276" r:id="rId21"/>
-    <p:sldId id="278" r:id="rId22"/>
-    <p:sldId id="274" r:id="rId23"/>
-    <p:sldId id="279" r:id="rId24"/>
-    <p:sldId id="273" r:id="rId25"/>
+    <p:sldId id="280" r:id="rId4"/>
+    <p:sldId id="257" r:id="rId5"/>
+    <p:sldId id="258" r:id="rId6"/>
+    <p:sldId id="260" r:id="rId7"/>
+    <p:sldId id="261" r:id="rId8"/>
+    <p:sldId id="262" r:id="rId9"/>
+    <p:sldId id="263" r:id="rId10"/>
+    <p:sldId id="265" r:id="rId11"/>
+    <p:sldId id="264" r:id="rId12"/>
+    <p:sldId id="266" r:id="rId13"/>
+    <p:sldId id="267" r:id="rId14"/>
+    <p:sldId id="268" r:id="rId15"/>
+    <p:sldId id="269" r:id="rId16"/>
+    <p:sldId id="270" r:id="rId17"/>
+    <p:sldId id="271" r:id="rId18"/>
+    <p:sldId id="272" r:id="rId19"/>
+    <p:sldId id="275" r:id="rId20"/>
+    <p:sldId id="277" r:id="rId21"/>
+    <p:sldId id="276" r:id="rId22"/>
+    <p:sldId id="278" r:id="rId23"/>
+    <p:sldId id="274" r:id="rId24"/>
+    <p:sldId id="279" r:id="rId25"/>
+    <p:sldId id="273" r:id="rId26"/>
   </p:sldIdLst>
   <p:sldSz cx="12192000" cy="6858000"/>
   <p:notesSz cx="6858000" cy="9144000"/>
@@ -553,7 +554,7 @@
           <a:p>
             <a:fld id="{0BF354A6-C2AB-4A59-AB12-DC15A9FD2F35}" type="slidenum">
               <a:rPr lang="zh-CN" altLang="en-US" smtClean="0"/>
-              <a:t>3</a:t>
+              <a:t>4</a:t>
             </a:fld>
             <a:endParaRPr lang="zh-CN" altLang="en-US"/>
           </a:p>
@@ -1514,7 +1515,7 @@
           <a:p>
             <a:fld id="{0BF354A6-C2AB-4A59-AB12-DC15A9FD2F35}" type="slidenum">
               <a:rPr lang="zh-CN" altLang="en-US" smtClean="0"/>
-              <a:t>4</a:t>
+              <a:t>5</a:t>
             </a:fld>
             <a:endParaRPr lang="zh-CN" altLang="en-US"/>
           </a:p>
@@ -7355,6 +7356,76 @@
             <p:ph type="title"/>
           </p:nvPr>
         </p:nvSpPr>
+        <p:spPr>
+          <a:xfrm>
+            <a:off x="1204556" y="3056238"/>
+            <a:ext cx="8596668" cy="1320800"/>
+          </a:xfrm>
+        </p:spPr>
+        <p:txBody>
+          <a:bodyPr/>
+          <a:lstStyle/>
+          <a:p>
+            <a:pPr algn="ctr"/>
+            <a:r>
+              <a:rPr lang="en-US" altLang="zh-CN" dirty="0" err="1" smtClean="0"/>
+              <a:t>InnoDB</a:t>
+            </a:r>
+            <a:r>
+              <a:rPr lang="zh-CN" altLang="en-US" dirty="0" smtClean="0"/>
+              <a:t>中的全文检索</a:t>
+            </a:r>
+            <a:endParaRPr lang="zh-CN" altLang="en-US" dirty="0"/>
+          </a:p>
+        </p:txBody>
+      </p:sp>
+    </p:spTree>
+    <p:extLst>
+      <p:ext uri="{BB962C8B-B14F-4D97-AF65-F5344CB8AC3E}">
+        <p14:creationId xmlns:p14="http://schemas.microsoft.com/office/powerpoint/2010/main" val="3023047477"/>
+      </p:ext>
+    </p:extLst>
+  </p:cSld>
+  <p:clrMapOvr>
+    <a:masterClrMapping/>
+  </p:clrMapOvr>
+  <p:timing>
+    <p:tnLst>
+      <p:par>
+        <p:cTn id="1" dur="indefinite" restart="never" nodeType="tmRoot"/>
+      </p:par>
+    </p:tnLst>
+  </p:timing>
+</p:sld>
+</file>
+
+<file path=ppt/slides/slide11.xml><?xml version="1.0" encoding="utf-8"?>
+<p:sld xmlns:a="http://schemas.openxmlformats.org/drawingml/2006/main" xmlns:r="http://schemas.openxmlformats.org/officeDocument/2006/relationships" xmlns:p="http://schemas.openxmlformats.org/presentationml/2006/main">
+  <p:cSld>
+    <p:spTree>
+      <p:nvGrpSpPr>
+        <p:cNvPr id="1" name=""/>
+        <p:cNvGrpSpPr/>
+        <p:nvPr/>
+      </p:nvGrpSpPr>
+      <p:grpSpPr>
+        <a:xfrm>
+          <a:off x="0" y="0"/>
+          <a:ext cx="0" cy="0"/>
+          <a:chOff x="0" y="0"/>
+          <a:chExt cx="0" cy="0"/>
+        </a:xfrm>
+      </p:grpSpPr>
+      <p:sp>
+        <p:nvSpPr>
+          <p:cNvPr id="2" name="标题 1"/>
+          <p:cNvSpPr>
+            <a:spLocks noGrp="1"/>
+          </p:cNvSpPr>
+          <p:nvPr>
+            <p:ph type="title"/>
+          </p:nvPr>
+        </p:nvSpPr>
         <p:spPr/>
         <p:txBody>
           <a:bodyPr/>
@@ -7528,7 +7599,7 @@
 </p:sld>
 </file>
 
-<file path=ppt/slides/slide11.xml><?xml version="1.0" encoding="utf-8"?>
+<file path=ppt/slides/slide12.xml><?xml version="1.0" encoding="utf-8"?>
 <p:sld xmlns:a="http://schemas.openxmlformats.org/drawingml/2006/main" xmlns:r="http://schemas.openxmlformats.org/officeDocument/2006/relationships" xmlns:p="http://schemas.openxmlformats.org/presentationml/2006/main">
   <p:cSld>
     <p:spTree>
@@ -7615,150 +7686,6 @@
 </p:sld>
 </file>
 
-<file path=ppt/slides/slide12.xml><?xml version="1.0" encoding="utf-8"?>
-<p:sld xmlns:a="http://schemas.openxmlformats.org/drawingml/2006/main" xmlns:r="http://schemas.openxmlformats.org/officeDocument/2006/relationships" xmlns:p="http://schemas.openxmlformats.org/presentationml/2006/main">
-  <p:cSld>
-    <p:spTree>
-      <p:nvGrpSpPr>
-        <p:cNvPr id="1" name=""/>
-        <p:cNvGrpSpPr/>
-        <p:nvPr/>
-      </p:nvGrpSpPr>
-      <p:grpSpPr>
-        <a:xfrm>
-          <a:off x="0" y="0"/>
-          <a:ext cx="0" cy="0"/>
-          <a:chOff x="0" y="0"/>
-          <a:chExt cx="0" cy="0"/>
-        </a:xfrm>
-      </p:grpSpPr>
-      <p:sp>
-        <p:nvSpPr>
-          <p:cNvPr id="2" name="标题 1"/>
-          <p:cNvSpPr>
-            <a:spLocks noGrp="1"/>
-          </p:cNvSpPr>
-          <p:nvPr>
-            <p:ph type="title"/>
-          </p:nvPr>
-        </p:nvSpPr>
-        <p:spPr/>
-        <p:txBody>
-          <a:bodyPr/>
-          <a:lstStyle/>
-          <a:p>
-            <a:r>
-              <a:rPr lang="en-US" altLang="zh-CN" dirty="0"/>
-              <a:t>FTS Index Cache</a:t>
-            </a:r>
-            <a:r>
-              <a:rPr lang="zh-CN" altLang="en-US" dirty="0" smtClean="0"/>
-              <a:t>（缓存</a:t>
-            </a:r>
-            <a:r>
-              <a:rPr lang="zh-CN" altLang="en-US" dirty="0"/>
-              <a:t>）</a:t>
-            </a:r>
-          </a:p>
-        </p:txBody>
-      </p:sp>
-      <p:sp>
-        <p:nvSpPr>
-          <p:cNvPr id="3" name="内容占位符 2"/>
-          <p:cNvSpPr>
-            <a:spLocks noGrp="1"/>
-          </p:cNvSpPr>
-          <p:nvPr>
-            <p:ph idx="1"/>
-          </p:nvPr>
-        </p:nvSpPr>
-        <p:spPr/>
-        <p:txBody>
-          <a:bodyPr/>
-          <a:lstStyle/>
-          <a:p>
-            <a:r>
-              <a:rPr lang="zh-CN" altLang="en-US" dirty="0"/>
-              <a:t>插入的</a:t>
-            </a:r>
-            <a:r>
-              <a:rPr lang="zh-CN" altLang="en-US" dirty="0" smtClean="0"/>
-              <a:t>数据时，全文</a:t>
-            </a:r>
-            <a:r>
-              <a:rPr lang="zh-CN" altLang="en-US" dirty="0"/>
-              <a:t>索引的</a:t>
-            </a:r>
-            <a:r>
-              <a:rPr lang="zh-CN" altLang="en-US" dirty="0" smtClean="0"/>
-              <a:t>更新在</a:t>
-            </a:r>
-            <a:r>
-              <a:rPr lang="zh-CN" altLang="en-US" dirty="0"/>
-              <a:t>分词操作后还在</a:t>
-            </a:r>
-            <a:r>
-              <a:rPr lang="en-US" altLang="zh-CN" dirty="0"/>
-              <a:t>FTS Index Cache</a:t>
-            </a:r>
-            <a:r>
-              <a:rPr lang="zh-CN" altLang="en-US" dirty="0"/>
-              <a:t>中，</a:t>
-            </a:r>
-            <a:r>
-              <a:rPr lang="en-US" altLang="zh-CN" dirty="0"/>
-              <a:t>Auxiliary Table</a:t>
-            </a:r>
-            <a:r>
-              <a:rPr lang="zh-CN" altLang="en-US" dirty="0"/>
-              <a:t>可能还没有更新。</a:t>
-            </a:r>
-            <a:r>
-              <a:rPr lang="en-US" altLang="zh-CN" dirty="0" err="1"/>
-              <a:t>InnoDB</a:t>
-            </a:r>
-            <a:r>
-              <a:rPr lang="zh-CN" altLang="en-US" dirty="0"/>
-              <a:t>存储引擎会批量对</a:t>
-            </a:r>
-            <a:r>
-              <a:rPr lang="en-US" altLang="zh-CN" dirty="0"/>
-              <a:t>Auxiliary Table</a:t>
-            </a:r>
-            <a:r>
-              <a:rPr lang="zh-CN" altLang="en-US" dirty="0"/>
-              <a:t>进行更新，而不是每次插入后更新一次</a:t>
-            </a:r>
-            <a:r>
-              <a:rPr lang="en-US" altLang="zh-CN" dirty="0"/>
-              <a:t>Auxiliary Table</a:t>
-            </a:r>
-          </a:p>
-          <a:p>
-            <a:endParaRPr lang="zh-CN" altLang="en-US" dirty="0"/>
-          </a:p>
-        </p:txBody>
-      </p:sp>
-    </p:spTree>
-    <p:extLst>
-      <p:ext uri="{BB962C8B-B14F-4D97-AF65-F5344CB8AC3E}">
-        <p14:creationId xmlns:p14="http://schemas.microsoft.com/office/powerpoint/2010/main" val="2754303018"/>
-      </p:ext>
-    </p:extLst>
-  </p:cSld>
-  <p:clrMapOvr>
-    <a:masterClrMapping/>
-  </p:clrMapOvr>
-  <p:timing>
-    <p:tnLst>
-      <p:par>
-        <p:cTn id="1" dur="indefinite" restart="never" nodeType="tmRoot"/>
-      </p:par>
-    </p:tnLst>
-  </p:timing>
-</p:sld>
-</file>
-
 <file path=ppt/slides/slide13.xml><?xml version="1.0" encoding="utf-8"?>
 <p:sld xmlns:a="http://schemas.openxmlformats.org/drawingml/2006/main" xmlns:r="http://schemas.openxmlformats.org/officeDocument/2006/relationships" xmlns:p="http://schemas.openxmlformats.org/presentationml/2006/main">
   <p:cSld>
@@ -7788,145 +7715,95 @@
         </p:nvSpPr>
         <p:spPr/>
         <p:txBody>
-          <a:bodyPr>
-            <a:normAutofit/>
-          </a:bodyPr>
-          <a:lstStyle/>
-          <a:p>
-            <a:r>
-              <a:rPr lang="en-US" altLang="zh-CN" sz="2400" dirty="0"/>
-              <a:t>FTS Index Cache</a:t>
-            </a:r>
-            <a:r>
-              <a:rPr lang="zh-CN" altLang="en-US" sz="2400" dirty="0" smtClean="0"/>
-              <a:t>为什么用红黑树而不是</a:t>
-            </a:r>
-            <a:r>
-              <a:rPr lang="en-US" altLang="zh-CN" sz="2400" dirty="0" smtClean="0"/>
-              <a:t>B-</a:t>
-            </a:r>
-            <a:r>
-              <a:rPr lang="zh-CN" altLang="en-US" sz="2400" dirty="0" smtClean="0"/>
-              <a:t>树、</a:t>
-            </a:r>
-            <a:r>
-              <a:rPr lang="en-US" altLang="zh-CN" sz="2400" dirty="0" smtClean="0"/>
-              <a:t>B+</a:t>
-            </a:r>
-            <a:r>
-              <a:rPr lang="zh-CN" altLang="en-US" sz="2400" dirty="0" smtClean="0"/>
-              <a:t>树、</a:t>
-            </a:r>
-            <a:r>
-              <a:rPr lang="en-US" altLang="zh-CN" sz="2400" dirty="0" smtClean="0"/>
-              <a:t>AVL</a:t>
-            </a:r>
-            <a:r>
-              <a:rPr lang="zh-CN" altLang="en-US" sz="2400" dirty="0" smtClean="0"/>
-              <a:t>树？</a:t>
-            </a:r>
-            <a:endParaRPr lang="zh-CN" altLang="en-US" sz="2400" dirty="0"/>
-          </a:p>
-        </p:txBody>
-      </p:sp>
-      <p:sp>
-        <p:nvSpPr>
-          <p:cNvPr id="3" name="内容占位符 2"/>
-          <p:cNvSpPr>
-            <a:spLocks noGrp="1"/>
-          </p:cNvSpPr>
-          <p:nvPr>
-            <p:ph idx="1"/>
-          </p:nvPr>
-        </p:nvSpPr>
-        <p:spPr/>
-        <p:txBody>
           <a:bodyPr/>
           <a:lstStyle/>
           <a:p>
             <a:r>
-              <a:rPr lang="en-US" altLang="zh-CN" dirty="0" smtClean="0"/>
-              <a:t>B-tree</a:t>
+              <a:rPr lang="en-US" altLang="zh-CN" dirty="0"/>
+              <a:t>FTS Index Cache</a:t>
             </a:r>
             <a:r>
               <a:rPr lang="zh-CN" altLang="en-US" dirty="0" smtClean="0"/>
-              <a:t>、</a:t>
-            </a:r>
-            <a:r>
-              <a:rPr lang="en-US" altLang="zh-CN" dirty="0" err="1" smtClean="0"/>
-              <a:t>B+tree</a:t>
+              <a:t>（缓存</a:t>
+            </a:r>
+            <a:r>
+              <a:rPr lang="zh-CN" altLang="en-US" dirty="0"/>
+              <a:t>）</a:t>
+            </a:r>
+          </a:p>
+        </p:txBody>
+      </p:sp>
+      <p:sp>
+        <p:nvSpPr>
+          <p:cNvPr id="3" name="内容占位符 2"/>
+          <p:cNvSpPr>
+            <a:spLocks noGrp="1"/>
+          </p:cNvSpPr>
+          <p:nvPr>
+            <p:ph idx="1"/>
+          </p:nvPr>
+        </p:nvSpPr>
+        <p:spPr/>
+        <p:txBody>
+          <a:bodyPr/>
+          <a:lstStyle/>
+          <a:p>
+            <a:r>
+              <a:rPr lang="zh-CN" altLang="en-US" dirty="0"/>
+              <a:t>插入的</a:t>
             </a:r>
             <a:r>
               <a:rPr lang="zh-CN" altLang="en-US" dirty="0" smtClean="0"/>
-              <a:t>是磁盘友好型，内存中多用</a:t>
-            </a:r>
-            <a:r>
-              <a:rPr lang="en-US" altLang="zh-CN" dirty="0" smtClean="0"/>
-              <a:t>AVL</a:t>
+              <a:t>数据时，全文</a:t>
+            </a:r>
+            <a:r>
+              <a:rPr lang="zh-CN" altLang="en-US" dirty="0"/>
+              <a:t>索引的</a:t>
             </a:r>
             <a:r>
               <a:rPr lang="zh-CN" altLang="en-US" dirty="0" smtClean="0"/>
-              <a:t>或红黑树</a:t>
-            </a:r>
-            <a:endParaRPr lang="en-US" altLang="zh-CN" dirty="0" smtClean="0"/>
-          </a:p>
-          <a:p>
-            <a:pPr lvl="1"/>
-            <a:r>
-              <a:rPr lang="en-US" altLang="zh-CN" dirty="0" smtClean="0"/>
+              <a:t>更新在</a:t>
+            </a:r>
+            <a:r>
+              <a:rPr lang="zh-CN" altLang="en-US" dirty="0"/>
+              <a:t>分词操作后还在</a:t>
+            </a:r>
+            <a:r>
+              <a:rPr lang="en-US" altLang="zh-CN" dirty="0"/>
               <a:t>FTS Index Cache</a:t>
             </a:r>
             <a:r>
-              <a:rPr lang="zh-CN" altLang="en-US" dirty="0" smtClean="0"/>
-              <a:t>的数据在内存中（</a:t>
-            </a:r>
-            <a:r>
-              <a:rPr lang="en-US" altLang="zh-CN" dirty="0" smtClean="0"/>
-              <a:t>32M</a:t>
-            </a:r>
-            <a:r>
-              <a:rPr lang="zh-CN" altLang="en-US" dirty="0" smtClean="0"/>
-              <a:t>），多了就会同步到辅助表中</a:t>
-            </a:r>
-            <a:endParaRPr lang="en-US" altLang="zh-CN" dirty="0" smtClean="0"/>
-          </a:p>
-          <a:p>
-            <a:r>
               <a:rPr lang="zh-CN" altLang="en-US" dirty="0"/>
-              <a:t>与</a:t>
+              <a:t>中，</a:t>
             </a:r>
             <a:r>
               <a:rPr lang="en-US" altLang="zh-CN" dirty="0"/>
-              <a:t>AVL</a:t>
+              <a:t>Auxiliary Table</a:t>
             </a:r>
             <a:r>
               <a:rPr lang="zh-CN" altLang="en-US" dirty="0"/>
-              <a:t>树相比 可维护性</a:t>
-            </a:r>
-            <a:r>
-              <a:rPr lang="zh-CN" altLang="en-US" dirty="0" smtClean="0"/>
-              <a:t>好</a:t>
-            </a:r>
-            <a:endParaRPr lang="en-US" altLang="zh-CN" dirty="0" smtClean="0"/>
-          </a:p>
-          <a:p>
-            <a:pPr lvl="1"/>
+              <a:t>可能还没有更新。</a:t>
+            </a:r>
+            <a:r>
+              <a:rPr lang="en-US" altLang="zh-CN" dirty="0" err="1"/>
+              <a:t>InnoDB</a:t>
+            </a:r>
             <a:r>
               <a:rPr lang="zh-CN" altLang="en-US" dirty="0"/>
-              <a:t>红黑是用非严格的平衡来换取增删节点时候旋转次数的降低，任何不平衡都会在三次旋转之内解决，而</a:t>
+              <a:t>存储引擎会批量对</a:t>
             </a:r>
             <a:r>
               <a:rPr lang="en-US" altLang="zh-CN" dirty="0"/>
-              <a:t>AVL</a:t>
+              <a:t>Auxiliary Table</a:t>
             </a:r>
             <a:r>
               <a:rPr lang="zh-CN" altLang="en-US" dirty="0"/>
-              <a:t>是严格平衡树，因此在增加或者删除节点的时候，根据不同情况，旋转的次数比红黑树要多。</a:t>
-            </a:r>
-          </a:p>
-          <a:p>
-            <a:pPr lvl="1"/>
-            <a:endParaRPr lang="zh-CN" altLang="en-US" dirty="0"/>
+              <a:t>进行更新，而不是每次插入后更新一次</a:t>
+            </a:r>
+            <a:r>
+              <a:rPr lang="en-US" altLang="zh-CN" dirty="0"/>
+              <a:t>Auxiliary Table</a:t>
+            </a:r>
           </a:p>
           <a:p>
             <a:endParaRPr lang="zh-CN" altLang="en-US" dirty="0"/>
@@ -7936,7 +7813,7 @@
     </p:spTree>
     <p:extLst>
       <p:ext uri="{BB962C8B-B14F-4D97-AF65-F5344CB8AC3E}">
-        <p14:creationId xmlns:p14="http://schemas.microsoft.com/office/powerpoint/2010/main" val="2083841092"/>
+        <p14:creationId xmlns:p14="http://schemas.microsoft.com/office/powerpoint/2010/main" val="2754303018"/>
       </p:ext>
     </p:extLst>
   </p:cSld>
@@ -7982,130 +7859,147 @@
         </p:nvSpPr>
         <p:spPr/>
         <p:txBody>
+          <a:bodyPr>
+            <a:normAutofit/>
+          </a:bodyPr>
+          <a:lstStyle/>
+          <a:p>
+            <a:r>
+              <a:rPr lang="en-US" altLang="zh-CN" sz="2400" dirty="0"/>
+              <a:t>FTS Index Cache</a:t>
+            </a:r>
+            <a:r>
+              <a:rPr lang="zh-CN" altLang="en-US" sz="2400" dirty="0" smtClean="0"/>
+              <a:t>为什么用红黑树而不是</a:t>
+            </a:r>
+            <a:r>
+              <a:rPr lang="en-US" altLang="zh-CN" sz="2400" dirty="0" smtClean="0"/>
+              <a:t>B-</a:t>
+            </a:r>
+            <a:r>
+              <a:rPr lang="zh-CN" altLang="en-US" sz="2400" dirty="0" smtClean="0"/>
+              <a:t>树、</a:t>
+            </a:r>
+            <a:r>
+              <a:rPr lang="en-US" altLang="zh-CN" sz="2400" dirty="0" smtClean="0"/>
+              <a:t>B+</a:t>
+            </a:r>
+            <a:r>
+              <a:rPr lang="zh-CN" altLang="en-US" sz="2400" dirty="0" smtClean="0"/>
+              <a:t>树、</a:t>
+            </a:r>
+            <a:r>
+              <a:rPr lang="en-US" altLang="zh-CN" sz="2400" dirty="0" smtClean="0"/>
+              <a:t>AVL</a:t>
+            </a:r>
+            <a:r>
+              <a:rPr lang="zh-CN" altLang="en-US" sz="2400" dirty="0" smtClean="0"/>
+              <a:t>树？</a:t>
+            </a:r>
+            <a:endParaRPr lang="zh-CN" altLang="en-US" sz="2400" dirty="0"/>
+          </a:p>
+        </p:txBody>
+      </p:sp>
+      <p:sp>
+        <p:nvSpPr>
+          <p:cNvPr id="3" name="内容占位符 2"/>
+          <p:cNvSpPr>
+            <a:spLocks noGrp="1"/>
+          </p:cNvSpPr>
+          <p:nvPr>
+            <p:ph idx="1"/>
+          </p:nvPr>
+        </p:nvSpPr>
+        <p:spPr/>
+        <p:txBody>
           <a:bodyPr/>
           <a:lstStyle/>
           <a:p>
             <a:r>
+              <a:rPr lang="en-US" altLang="zh-CN" dirty="0" smtClean="0"/>
+              <a:t>B-tree</a:t>
+            </a:r>
+            <a:r>
               <a:rPr lang="zh-CN" altLang="en-US" dirty="0" smtClean="0"/>
-              <a:t>前世今生</a:t>
-            </a:r>
+              <a:t>、</a:t>
+            </a:r>
+            <a:r>
+              <a:rPr lang="en-US" altLang="zh-CN" dirty="0" err="1" smtClean="0"/>
+              <a:t>B+tree</a:t>
+            </a:r>
+            <a:r>
+              <a:rPr lang="zh-CN" altLang="en-US" dirty="0" smtClean="0"/>
+              <a:t>是磁盘友好型，内存中多用</a:t>
+            </a:r>
+            <a:r>
+              <a:rPr lang="en-US" altLang="zh-CN" dirty="0" smtClean="0"/>
+              <a:t>AVL</a:t>
+            </a:r>
+            <a:r>
+              <a:rPr lang="zh-CN" altLang="en-US" dirty="0" smtClean="0"/>
+              <a:t>或红黑树</a:t>
+            </a:r>
+            <a:endParaRPr lang="en-US" altLang="zh-CN" dirty="0" smtClean="0"/>
+          </a:p>
+          <a:p>
+            <a:pPr lvl="1"/>
+            <a:r>
+              <a:rPr lang="en-US" altLang="zh-CN" dirty="0" smtClean="0"/>
+              <a:t>FTS Index Cache</a:t>
+            </a:r>
+            <a:r>
+              <a:rPr lang="zh-CN" altLang="en-US" dirty="0" smtClean="0"/>
+              <a:t>的数据在内存中（</a:t>
+            </a:r>
+            <a:r>
+              <a:rPr lang="en-US" altLang="zh-CN" dirty="0" smtClean="0"/>
+              <a:t>32M</a:t>
+            </a:r>
+            <a:r>
+              <a:rPr lang="zh-CN" altLang="en-US" dirty="0" smtClean="0"/>
+              <a:t>），多了就会同步到辅助表中</a:t>
+            </a:r>
+            <a:endParaRPr lang="en-US" altLang="zh-CN" dirty="0" smtClean="0"/>
+          </a:p>
+          <a:p>
+            <a:r>
+              <a:rPr lang="zh-CN" altLang="en-US" dirty="0"/>
+              <a:t>与</a:t>
+            </a:r>
+            <a:r>
+              <a:rPr lang="en-US" altLang="zh-CN" dirty="0"/>
+              <a:t>AVL</a:t>
+            </a:r>
+            <a:r>
+              <a:rPr lang="zh-CN" altLang="en-US" dirty="0"/>
+              <a:t>树相比 可维护性</a:t>
+            </a:r>
+            <a:r>
+              <a:rPr lang="zh-CN" altLang="en-US" dirty="0" smtClean="0"/>
+              <a:t>好</a:t>
+            </a:r>
+            <a:endParaRPr lang="en-US" altLang="zh-CN" dirty="0" smtClean="0"/>
+          </a:p>
+          <a:p>
+            <a:pPr lvl="1"/>
+            <a:r>
+              <a:rPr lang="zh-CN" altLang="en-US" dirty="0"/>
+              <a:t>红黑是用非严格的平衡来换取增删节点时候旋转次数的降低，任何不平衡都会在三次旋转之内解决，而</a:t>
+            </a:r>
+            <a:r>
+              <a:rPr lang="en-US" altLang="zh-CN" dirty="0"/>
+              <a:t>AVL</a:t>
+            </a:r>
+            <a:r>
+              <a:rPr lang="zh-CN" altLang="en-US" dirty="0"/>
+              <a:t>是严格平衡树，因此在增加或者删除节点的时候，根据不同情况，旋转的次数比红黑树要多。</a:t>
+            </a:r>
+          </a:p>
+          <a:p>
+            <a:pPr lvl="1"/>
             <a:endParaRPr lang="zh-CN" altLang="en-US" dirty="0"/>
           </a:p>
-        </p:txBody>
-      </p:sp>
-      <p:sp>
-        <p:nvSpPr>
-          <p:cNvPr id="3" name="内容占位符 2"/>
-          <p:cNvSpPr>
-            <a:spLocks noGrp="1"/>
-          </p:cNvSpPr>
-          <p:nvPr>
-            <p:ph idx="1"/>
-          </p:nvPr>
-        </p:nvSpPr>
-        <p:spPr/>
-        <p:txBody>
-          <a:bodyPr/>
-          <a:lstStyle/>
-          <a:p>
-            <a:r>
-              <a:rPr lang="zh-CN" altLang="en-US" dirty="0" smtClean="0"/>
-              <a:t>以前</a:t>
-            </a:r>
-            <a:r>
-              <a:rPr lang="en-US" altLang="zh-CN" dirty="0" err="1" smtClean="0"/>
-              <a:t>mysql</a:t>
-            </a:r>
-            <a:r>
-              <a:rPr lang="zh-CN" altLang="en-US" dirty="0" smtClean="0"/>
-              <a:t>只有</a:t>
-            </a:r>
-            <a:r>
-              <a:rPr lang="en-US" altLang="zh-CN" dirty="0" err="1" smtClean="0"/>
-              <a:t>MyISAM</a:t>
-            </a:r>
-            <a:r>
-              <a:rPr lang="zh-CN" altLang="en-US" dirty="0" smtClean="0"/>
-              <a:t>支持全文检索</a:t>
-            </a:r>
-            <a:endParaRPr lang="en-US" altLang="zh-CN" dirty="0" smtClean="0"/>
-          </a:p>
-          <a:p>
-            <a:r>
-              <a:rPr lang="zh-CN" altLang="en-US" dirty="0" smtClean="0"/>
-              <a:t>从</a:t>
-            </a:r>
-            <a:r>
-              <a:rPr lang="en-US" altLang="zh-CN" dirty="0"/>
-              <a:t>MySQL 5.7.3</a:t>
-            </a:r>
-            <a:r>
-              <a:rPr lang="zh-CN" altLang="en-US" dirty="0"/>
-              <a:t>开始</a:t>
-            </a:r>
-            <a:r>
-              <a:rPr lang="en-US" altLang="zh-CN" dirty="0" err="1"/>
-              <a:t>InnoDB</a:t>
-            </a:r>
-            <a:r>
-              <a:rPr lang="zh-CN" altLang="en-US" dirty="0"/>
-              <a:t>支持</a:t>
-            </a:r>
-            <a:r>
-              <a:rPr lang="zh-CN" altLang="en-US" dirty="0" smtClean="0"/>
-              <a:t>全文检索（面试注意下）</a:t>
-            </a:r>
-            <a:endParaRPr lang="en-US" altLang="zh-CN" dirty="0" smtClean="0"/>
-          </a:p>
-          <a:p>
-            <a:r>
-              <a:rPr lang="zh-CN" altLang="en-US" dirty="0" smtClean="0"/>
-              <a:t>从</a:t>
-            </a:r>
-            <a:r>
-              <a:rPr lang="en-US" altLang="zh-CN" dirty="0"/>
-              <a:t>MySQL5.7.6</a:t>
-            </a:r>
-            <a:r>
-              <a:rPr lang="zh-CN" altLang="en-US" dirty="0"/>
-              <a:t>版本开始提供了一种内建的全文索引</a:t>
-            </a:r>
-            <a:r>
-              <a:rPr lang="en-US" altLang="zh-CN" dirty="0" err="1"/>
-              <a:t>ngram</a:t>
-            </a:r>
-            <a:r>
-              <a:rPr lang="en-US" altLang="zh-CN" dirty="0"/>
-              <a:t> parser</a:t>
-            </a:r>
-            <a:r>
-              <a:rPr lang="zh-CN" altLang="en-US" dirty="0" smtClean="0"/>
-              <a:t>，</a:t>
-            </a:r>
-            <a:endParaRPr lang="en-US" altLang="zh-CN" dirty="0" smtClean="0"/>
-          </a:p>
-          <a:p>
-            <a:pPr lvl="1"/>
-            <a:r>
-              <a:rPr lang="zh-CN" altLang="en-US" dirty="0" smtClean="0"/>
-              <a:t>这个插件可以</a:t>
-            </a:r>
-            <a:r>
-              <a:rPr lang="zh-CN" altLang="en-US" dirty="0"/>
-              <a:t>很好的</a:t>
-            </a:r>
-            <a:r>
-              <a:rPr lang="zh-CN" altLang="en-US" dirty="0" smtClean="0"/>
-              <a:t>支持（</a:t>
-            </a:r>
-            <a:r>
-              <a:rPr lang="zh-CN" altLang="en-US" dirty="0"/>
-              <a:t>中文、日文、</a:t>
-            </a:r>
-            <a:r>
-              <a:rPr lang="zh-CN" altLang="en-US" dirty="0" smtClean="0"/>
-              <a:t>韩文）</a:t>
-            </a:r>
+          <a:p>
             <a:endParaRPr lang="zh-CN" altLang="en-US" dirty="0"/>
           </a:p>
         </p:txBody>
@@ -8113,7 +8007,7 @@
     </p:spTree>
     <p:extLst>
       <p:ext uri="{BB962C8B-B14F-4D97-AF65-F5344CB8AC3E}">
-        <p14:creationId xmlns:p14="http://schemas.microsoft.com/office/powerpoint/2010/main" val="383401332"/>
+        <p14:creationId xmlns:p14="http://schemas.microsoft.com/office/powerpoint/2010/main" val="2083841092"/>
       </p:ext>
     </p:extLst>
   </p:cSld>
@@ -8123,7 +8017,406 @@
   <p:timing>
     <p:tnLst>
       <p:par>
-        <p:cTn id="1" dur="indefinite" restart="never" nodeType="tmRoot"/>
+        <p:cTn id="1" dur="indefinite" restart="never" nodeType="tmRoot">
+          <p:childTnLst>
+            <p:seq concurrent="1" nextAc="seek">
+              <p:cTn id="2" dur="indefinite" nodeType="mainSeq">
+                <p:childTnLst>
+                  <p:par>
+                    <p:cTn id="3" fill="hold">
+                      <p:stCondLst>
+                        <p:cond delay="indefinite"/>
+                      </p:stCondLst>
+                      <p:childTnLst>
+                        <p:par>
+                          <p:cTn id="4" fill="hold">
+                            <p:stCondLst>
+                              <p:cond delay="0"/>
+                            </p:stCondLst>
+                            <p:childTnLst>
+                              <p:par>
+                                <p:cTn id="5" presetID="2" presetClass="entr" presetSubtype="4" fill="hold" nodeType="clickEffect">
+                                  <p:stCondLst>
+                                    <p:cond delay="0"/>
+                                  </p:stCondLst>
+                                  <p:childTnLst>
+                                    <p:set>
+                                      <p:cBhvr>
+                                        <p:cTn id="6" dur="1" fill="hold">
+                                          <p:stCondLst>
+                                            <p:cond delay="0"/>
+                                          </p:stCondLst>
+                                        </p:cTn>
+                                        <p:tgtEl>
+                                          <p:spTgt spid="3">
+                                            <p:txEl>
+                                              <p:pRg st="0" end="0"/>
+                                            </p:txEl>
+                                          </p:spTgt>
+                                        </p:tgtEl>
+                                        <p:attrNameLst>
+                                          <p:attrName>style.visibility</p:attrName>
+                                        </p:attrNameLst>
+                                      </p:cBhvr>
+                                      <p:to>
+                                        <p:strVal val="visible"/>
+                                      </p:to>
+                                    </p:set>
+                                    <p:anim calcmode="lin" valueType="num">
+                                      <p:cBhvr additive="base">
+                                        <p:cTn id="7" dur="500" fill="hold"/>
+                                        <p:tgtEl>
+                                          <p:spTgt spid="3">
+                                            <p:txEl>
+                                              <p:pRg st="0" end="0"/>
+                                            </p:txEl>
+                                          </p:spTgt>
+                                        </p:tgtEl>
+                                        <p:attrNameLst>
+                                          <p:attrName>ppt_x</p:attrName>
+                                        </p:attrNameLst>
+                                      </p:cBhvr>
+                                      <p:tavLst>
+                                        <p:tav tm="0">
+                                          <p:val>
+                                            <p:strVal val="#ppt_x"/>
+                                          </p:val>
+                                        </p:tav>
+                                        <p:tav tm="100000">
+                                          <p:val>
+                                            <p:strVal val="#ppt_x"/>
+                                          </p:val>
+                                        </p:tav>
+                                      </p:tavLst>
+                                    </p:anim>
+                                    <p:anim calcmode="lin" valueType="num">
+                                      <p:cBhvr additive="base">
+                                        <p:cTn id="8" dur="500" fill="hold"/>
+                                        <p:tgtEl>
+                                          <p:spTgt spid="3">
+                                            <p:txEl>
+                                              <p:pRg st="0" end="0"/>
+                                            </p:txEl>
+                                          </p:spTgt>
+                                        </p:tgtEl>
+                                        <p:attrNameLst>
+                                          <p:attrName>ppt_y</p:attrName>
+                                        </p:attrNameLst>
+                                      </p:cBhvr>
+                                      <p:tavLst>
+                                        <p:tav tm="0">
+                                          <p:val>
+                                            <p:strVal val="1+#ppt_h/2"/>
+                                          </p:val>
+                                        </p:tav>
+                                        <p:tav tm="100000">
+                                          <p:val>
+                                            <p:strVal val="#ppt_y"/>
+                                          </p:val>
+                                        </p:tav>
+                                      </p:tavLst>
+                                    </p:anim>
+                                  </p:childTnLst>
+                                </p:cTn>
+                              </p:par>
+                              <p:par>
+                                <p:cTn id="9" presetID="2" presetClass="entr" presetSubtype="4" fill="hold" nodeType="withEffect">
+                                  <p:stCondLst>
+                                    <p:cond delay="0"/>
+                                  </p:stCondLst>
+                                  <p:childTnLst>
+                                    <p:set>
+                                      <p:cBhvr>
+                                        <p:cTn id="10" dur="1" fill="hold">
+                                          <p:stCondLst>
+                                            <p:cond delay="0"/>
+                                          </p:stCondLst>
+                                        </p:cTn>
+                                        <p:tgtEl>
+                                          <p:spTgt spid="3">
+                                            <p:txEl>
+                                              <p:pRg st="1" end="1"/>
+                                            </p:txEl>
+                                          </p:spTgt>
+                                        </p:tgtEl>
+                                        <p:attrNameLst>
+                                          <p:attrName>style.visibility</p:attrName>
+                                        </p:attrNameLst>
+                                      </p:cBhvr>
+                                      <p:to>
+                                        <p:strVal val="visible"/>
+                                      </p:to>
+                                    </p:set>
+                                    <p:anim calcmode="lin" valueType="num">
+                                      <p:cBhvr additive="base">
+                                        <p:cTn id="11" dur="500" fill="hold"/>
+                                        <p:tgtEl>
+                                          <p:spTgt spid="3">
+                                            <p:txEl>
+                                              <p:pRg st="1" end="1"/>
+                                            </p:txEl>
+                                          </p:spTgt>
+                                        </p:tgtEl>
+                                        <p:attrNameLst>
+                                          <p:attrName>ppt_x</p:attrName>
+                                        </p:attrNameLst>
+                                      </p:cBhvr>
+                                      <p:tavLst>
+                                        <p:tav tm="0">
+                                          <p:val>
+                                            <p:strVal val="#ppt_x"/>
+                                          </p:val>
+                                        </p:tav>
+                                        <p:tav tm="100000">
+                                          <p:val>
+                                            <p:strVal val="#ppt_x"/>
+                                          </p:val>
+                                        </p:tav>
+                                      </p:tavLst>
+                                    </p:anim>
+                                    <p:anim calcmode="lin" valueType="num">
+                                      <p:cBhvr additive="base">
+                                        <p:cTn id="12" dur="500" fill="hold"/>
+                                        <p:tgtEl>
+                                          <p:spTgt spid="3">
+                                            <p:txEl>
+                                              <p:pRg st="1" end="1"/>
+                                            </p:txEl>
+                                          </p:spTgt>
+                                        </p:tgtEl>
+                                        <p:attrNameLst>
+                                          <p:attrName>ppt_y</p:attrName>
+                                        </p:attrNameLst>
+                                      </p:cBhvr>
+                                      <p:tavLst>
+                                        <p:tav tm="0">
+                                          <p:val>
+                                            <p:strVal val="1+#ppt_h/2"/>
+                                          </p:val>
+                                        </p:tav>
+                                        <p:tav tm="100000">
+                                          <p:val>
+                                            <p:strVal val="#ppt_y"/>
+                                          </p:val>
+                                        </p:tav>
+                                      </p:tavLst>
+                                    </p:anim>
+                                  </p:childTnLst>
+                                </p:cTn>
+                              </p:par>
+                            </p:childTnLst>
+                          </p:cTn>
+                        </p:par>
+                      </p:childTnLst>
+                    </p:cTn>
+                  </p:par>
+                  <p:par>
+                    <p:cTn id="13" fill="hold">
+                      <p:stCondLst>
+                        <p:cond delay="indefinite"/>
+                      </p:stCondLst>
+                      <p:childTnLst>
+                        <p:par>
+                          <p:cTn id="14" fill="hold">
+                            <p:stCondLst>
+                              <p:cond delay="0"/>
+                            </p:stCondLst>
+                            <p:childTnLst>
+                              <p:par>
+                                <p:cTn id="15" presetID="2" presetClass="entr" presetSubtype="4" fill="hold" nodeType="clickEffect">
+                                  <p:stCondLst>
+                                    <p:cond delay="0"/>
+                                  </p:stCondLst>
+                                  <p:childTnLst>
+                                    <p:set>
+                                      <p:cBhvr>
+                                        <p:cTn id="16" dur="1" fill="hold">
+                                          <p:stCondLst>
+                                            <p:cond delay="0"/>
+                                          </p:stCondLst>
+                                        </p:cTn>
+                                        <p:tgtEl>
+                                          <p:spTgt spid="3">
+                                            <p:txEl>
+                                              <p:pRg st="2" end="2"/>
+                                            </p:txEl>
+                                          </p:spTgt>
+                                        </p:tgtEl>
+                                        <p:attrNameLst>
+                                          <p:attrName>style.visibility</p:attrName>
+                                        </p:attrNameLst>
+                                      </p:cBhvr>
+                                      <p:to>
+                                        <p:strVal val="visible"/>
+                                      </p:to>
+                                    </p:set>
+                                    <p:anim calcmode="lin" valueType="num">
+                                      <p:cBhvr additive="base">
+                                        <p:cTn id="17" dur="500" fill="hold"/>
+                                        <p:tgtEl>
+                                          <p:spTgt spid="3">
+                                            <p:txEl>
+                                              <p:pRg st="2" end="2"/>
+                                            </p:txEl>
+                                          </p:spTgt>
+                                        </p:tgtEl>
+                                        <p:attrNameLst>
+                                          <p:attrName>ppt_x</p:attrName>
+                                        </p:attrNameLst>
+                                      </p:cBhvr>
+                                      <p:tavLst>
+                                        <p:tav tm="0">
+                                          <p:val>
+                                            <p:strVal val="#ppt_x"/>
+                                          </p:val>
+                                        </p:tav>
+                                        <p:tav tm="100000">
+                                          <p:val>
+                                            <p:strVal val="#ppt_x"/>
+                                          </p:val>
+                                        </p:tav>
+                                      </p:tavLst>
+                                    </p:anim>
+                                    <p:anim calcmode="lin" valueType="num">
+                                      <p:cBhvr additive="base">
+                                        <p:cTn id="18" dur="500" fill="hold"/>
+                                        <p:tgtEl>
+                                          <p:spTgt spid="3">
+                                            <p:txEl>
+                                              <p:pRg st="2" end="2"/>
+                                            </p:txEl>
+                                          </p:spTgt>
+                                        </p:tgtEl>
+                                        <p:attrNameLst>
+                                          <p:attrName>ppt_y</p:attrName>
+                                        </p:attrNameLst>
+                                      </p:cBhvr>
+                                      <p:tavLst>
+                                        <p:tav tm="0">
+                                          <p:val>
+                                            <p:strVal val="1+#ppt_h/2"/>
+                                          </p:val>
+                                        </p:tav>
+                                        <p:tav tm="100000">
+                                          <p:val>
+                                            <p:strVal val="#ppt_y"/>
+                                          </p:val>
+                                        </p:tav>
+                                      </p:tavLst>
+                                    </p:anim>
+                                  </p:childTnLst>
+                                </p:cTn>
+                              </p:par>
+                              <p:par>
+                                <p:cTn id="19" presetID="2" presetClass="entr" presetSubtype="4" fill="hold" nodeType="withEffect">
+                                  <p:stCondLst>
+                                    <p:cond delay="0"/>
+                                  </p:stCondLst>
+                                  <p:childTnLst>
+                                    <p:set>
+                                      <p:cBhvr>
+                                        <p:cTn id="20" dur="1" fill="hold">
+                                          <p:stCondLst>
+                                            <p:cond delay="0"/>
+                                          </p:stCondLst>
+                                        </p:cTn>
+                                        <p:tgtEl>
+                                          <p:spTgt spid="3">
+                                            <p:txEl>
+                                              <p:pRg st="3" end="3"/>
+                                            </p:txEl>
+                                          </p:spTgt>
+                                        </p:tgtEl>
+                                        <p:attrNameLst>
+                                          <p:attrName>style.visibility</p:attrName>
+                                        </p:attrNameLst>
+                                      </p:cBhvr>
+                                      <p:to>
+                                        <p:strVal val="visible"/>
+                                      </p:to>
+                                    </p:set>
+                                    <p:anim calcmode="lin" valueType="num">
+                                      <p:cBhvr additive="base">
+                                        <p:cTn id="21" dur="500" fill="hold"/>
+                                        <p:tgtEl>
+                                          <p:spTgt spid="3">
+                                            <p:txEl>
+                                              <p:pRg st="3" end="3"/>
+                                            </p:txEl>
+                                          </p:spTgt>
+                                        </p:tgtEl>
+                                        <p:attrNameLst>
+                                          <p:attrName>ppt_x</p:attrName>
+                                        </p:attrNameLst>
+                                      </p:cBhvr>
+                                      <p:tavLst>
+                                        <p:tav tm="0">
+                                          <p:val>
+                                            <p:strVal val="#ppt_x"/>
+                                          </p:val>
+                                        </p:tav>
+                                        <p:tav tm="100000">
+                                          <p:val>
+                                            <p:strVal val="#ppt_x"/>
+                                          </p:val>
+                                        </p:tav>
+                                      </p:tavLst>
+                                    </p:anim>
+                                    <p:anim calcmode="lin" valueType="num">
+                                      <p:cBhvr additive="base">
+                                        <p:cTn id="22" dur="500" fill="hold"/>
+                                        <p:tgtEl>
+                                          <p:spTgt spid="3">
+                                            <p:txEl>
+                                              <p:pRg st="3" end="3"/>
+                                            </p:txEl>
+                                          </p:spTgt>
+                                        </p:tgtEl>
+                                        <p:attrNameLst>
+                                          <p:attrName>ppt_y</p:attrName>
+                                        </p:attrNameLst>
+                                      </p:cBhvr>
+                                      <p:tavLst>
+                                        <p:tav tm="0">
+                                          <p:val>
+                                            <p:strVal val="1+#ppt_h/2"/>
+                                          </p:val>
+                                        </p:tav>
+                                        <p:tav tm="100000">
+                                          <p:val>
+                                            <p:strVal val="#ppt_y"/>
+                                          </p:val>
+                                        </p:tav>
+                                      </p:tavLst>
+                                    </p:anim>
+                                  </p:childTnLst>
+                                </p:cTn>
+                              </p:par>
+                            </p:childTnLst>
+                          </p:cTn>
+                        </p:par>
+                      </p:childTnLst>
+                    </p:cTn>
+                  </p:par>
+                </p:childTnLst>
+              </p:cTn>
+              <p:prevCondLst>
+                <p:cond evt="onPrev" delay="0">
+                  <p:tgtEl>
+                    <p:sldTgt/>
+                  </p:tgtEl>
+                </p:cond>
+              </p:prevCondLst>
+              <p:nextCondLst>
+                <p:cond evt="onNext" delay="0">
+                  <p:tgtEl>
+                    <p:sldTgt/>
+                  </p:tgtEl>
+                </p:cond>
+              </p:nextCondLst>
+            </p:seq>
+          </p:childTnLst>
+        </p:cTn>
       </p:par>
     </p:tnLst>
   </p:timing>
@@ -8157,6 +8450,183 @@
             <p:ph type="title"/>
           </p:nvPr>
         </p:nvSpPr>
+        <p:spPr/>
+        <p:txBody>
+          <a:bodyPr/>
+          <a:lstStyle/>
+          <a:p>
+            <a:r>
+              <a:rPr lang="zh-CN" altLang="en-US" dirty="0" smtClean="0"/>
+              <a:t>前世今生</a:t>
+            </a:r>
+            <a:endParaRPr lang="zh-CN" altLang="en-US" dirty="0"/>
+          </a:p>
+        </p:txBody>
+      </p:sp>
+      <p:sp>
+        <p:nvSpPr>
+          <p:cNvPr id="3" name="内容占位符 2"/>
+          <p:cNvSpPr>
+            <a:spLocks noGrp="1"/>
+          </p:cNvSpPr>
+          <p:nvPr>
+            <p:ph idx="1"/>
+          </p:nvPr>
+        </p:nvSpPr>
+        <p:spPr/>
+        <p:txBody>
+          <a:bodyPr/>
+          <a:lstStyle/>
+          <a:p>
+            <a:r>
+              <a:rPr lang="zh-CN" altLang="en-US" dirty="0" smtClean="0"/>
+              <a:t>以前</a:t>
+            </a:r>
+            <a:r>
+              <a:rPr lang="en-US" altLang="zh-CN" dirty="0" err="1" smtClean="0"/>
+              <a:t>mysql</a:t>
+            </a:r>
+            <a:r>
+              <a:rPr lang="zh-CN" altLang="en-US" dirty="0" smtClean="0"/>
+              <a:t>只有</a:t>
+            </a:r>
+            <a:r>
+              <a:rPr lang="en-US" altLang="zh-CN" dirty="0" err="1" smtClean="0"/>
+              <a:t>MyISAM</a:t>
+            </a:r>
+            <a:r>
+              <a:rPr lang="zh-CN" altLang="en-US" dirty="0" smtClean="0"/>
+              <a:t>支持全文检索</a:t>
+            </a:r>
+            <a:endParaRPr lang="en-US" altLang="zh-CN" dirty="0" smtClean="0"/>
+          </a:p>
+          <a:p>
+            <a:r>
+              <a:rPr lang="zh-CN" altLang="en-US" dirty="0" smtClean="0"/>
+              <a:t>从</a:t>
+            </a:r>
+            <a:r>
+              <a:rPr lang="en-US" altLang="zh-CN" dirty="0"/>
+              <a:t>MySQL 5.7.3</a:t>
+            </a:r>
+            <a:r>
+              <a:rPr lang="zh-CN" altLang="en-US" dirty="0"/>
+              <a:t>开始</a:t>
+            </a:r>
+            <a:r>
+              <a:rPr lang="en-US" altLang="zh-CN" dirty="0" err="1"/>
+              <a:t>InnoDB</a:t>
+            </a:r>
+            <a:r>
+              <a:rPr lang="zh-CN" altLang="en-US" dirty="0"/>
+              <a:t>支持</a:t>
+            </a:r>
+            <a:r>
+              <a:rPr lang="zh-CN" altLang="en-US" dirty="0" smtClean="0"/>
+              <a:t>全文检索（面试注意下）</a:t>
+            </a:r>
+            <a:endParaRPr lang="en-US" altLang="zh-CN" dirty="0" smtClean="0"/>
+          </a:p>
+          <a:p>
+            <a:r>
+              <a:rPr lang="zh-CN" altLang="en-US" dirty="0" smtClean="0"/>
+              <a:t>从</a:t>
+            </a:r>
+            <a:r>
+              <a:rPr lang="en-US" altLang="zh-CN" dirty="0"/>
+              <a:t>MySQL5.7.6</a:t>
+            </a:r>
+            <a:r>
+              <a:rPr lang="zh-CN" altLang="en-US" dirty="0"/>
+              <a:t>版本开始提供了一种内建的全文索引</a:t>
+            </a:r>
+            <a:r>
+              <a:rPr lang="en-US" altLang="zh-CN" dirty="0" err="1"/>
+              <a:t>ngram</a:t>
+            </a:r>
+            <a:r>
+              <a:rPr lang="en-US" altLang="zh-CN" dirty="0"/>
+              <a:t> parser</a:t>
+            </a:r>
+            <a:r>
+              <a:rPr lang="zh-CN" altLang="en-US" dirty="0" smtClean="0"/>
+              <a:t>，</a:t>
+            </a:r>
+            <a:endParaRPr lang="en-US" altLang="zh-CN" dirty="0" smtClean="0"/>
+          </a:p>
+          <a:p>
+            <a:pPr lvl="1"/>
+            <a:r>
+              <a:rPr lang="zh-CN" altLang="en-US" dirty="0" smtClean="0"/>
+              <a:t>这个插件可以</a:t>
+            </a:r>
+            <a:r>
+              <a:rPr lang="zh-CN" altLang="en-US" dirty="0"/>
+              <a:t>很好的</a:t>
+            </a:r>
+            <a:r>
+              <a:rPr lang="zh-CN" altLang="en-US" dirty="0" smtClean="0"/>
+              <a:t>支持（</a:t>
+            </a:r>
+            <a:r>
+              <a:rPr lang="zh-CN" altLang="en-US" dirty="0"/>
+              <a:t>中文、日文、</a:t>
+            </a:r>
+            <a:r>
+              <a:rPr lang="zh-CN" altLang="en-US" dirty="0" smtClean="0"/>
+              <a:t>韩文）</a:t>
+            </a:r>
+            <a:endParaRPr lang="zh-CN" altLang="en-US" dirty="0"/>
+          </a:p>
+        </p:txBody>
+      </p:sp>
+    </p:spTree>
+    <p:extLst>
+      <p:ext uri="{BB962C8B-B14F-4D97-AF65-F5344CB8AC3E}">
+        <p14:creationId xmlns:p14="http://schemas.microsoft.com/office/powerpoint/2010/main" val="383401332"/>
+      </p:ext>
+    </p:extLst>
+  </p:cSld>
+  <p:clrMapOvr>
+    <a:masterClrMapping/>
+  </p:clrMapOvr>
+  <p:timing>
+    <p:tnLst>
+      <p:par>
+        <p:cTn id="1" dur="indefinite" restart="never" nodeType="tmRoot"/>
+      </p:par>
+    </p:tnLst>
+  </p:timing>
+</p:sld>
+</file>
+
+<file path=ppt/slides/slide16.xml><?xml version="1.0" encoding="utf-8"?>
+<p:sld xmlns:a="http://schemas.openxmlformats.org/drawingml/2006/main" xmlns:r="http://schemas.openxmlformats.org/officeDocument/2006/relationships" xmlns:p="http://schemas.openxmlformats.org/presentationml/2006/main">
+  <p:cSld>
+    <p:spTree>
+      <p:nvGrpSpPr>
+        <p:cNvPr id="1" name=""/>
+        <p:cNvGrpSpPr/>
+        <p:nvPr/>
+      </p:nvGrpSpPr>
+      <p:grpSpPr>
+        <a:xfrm>
+          <a:off x="0" y="0"/>
+          <a:ext cx="0" cy="0"/>
+          <a:chOff x="0" y="0"/>
+          <a:chExt cx="0" cy="0"/>
+        </a:xfrm>
+      </p:grpSpPr>
+      <p:sp>
+        <p:nvSpPr>
+          <p:cNvPr id="2" name="标题 1"/>
+          <p:cNvSpPr>
+            <a:spLocks noGrp="1"/>
+          </p:cNvSpPr>
+          <p:nvPr>
+            <p:ph type="title"/>
+          </p:nvPr>
+        </p:nvSpPr>
         <p:spPr>
           <a:xfrm>
             <a:off x="899756" y="3056238"/>
@@ -8196,7 +8666,7 @@
 </p:sld>
 </file>
 
-<file path=ppt/slides/slide16.xml><?xml version="1.0" encoding="utf-8"?>
+<file path=ppt/slides/slide17.xml><?xml version="1.0" encoding="utf-8"?>
 <p:sld xmlns:a="http://schemas.openxmlformats.org/drawingml/2006/main" xmlns:r="http://schemas.openxmlformats.org/officeDocument/2006/relationships" xmlns:p="http://schemas.openxmlformats.org/presentationml/2006/main">
   <p:cSld>
     <p:spTree>
@@ -8417,7 +8887,7 @@
 </p:sld>
 </file>
 
-<file path=ppt/slides/slide17.xml><?xml version="1.0" encoding="utf-8"?>
+<file path=ppt/slides/slide18.xml><?xml version="1.0" encoding="utf-8"?>
 <p:sld xmlns:a="http://schemas.openxmlformats.org/drawingml/2006/main" xmlns:r="http://schemas.openxmlformats.org/officeDocument/2006/relationships" xmlns:p="http://schemas.openxmlformats.org/presentationml/2006/main">
   <p:cSld>
     <p:spTree>
@@ -8579,7 +9049,7 @@
 </p:sld>
 </file>
 
-<file path=ppt/slides/slide18.xml><?xml version="1.0" encoding="utf-8"?>
+<file path=ppt/slides/slide19.xml><?xml version="1.0" encoding="utf-8"?>
 <p:sld xmlns:a="http://schemas.openxmlformats.org/drawingml/2006/main" xmlns:r="http://schemas.openxmlformats.org/officeDocument/2006/relationships" xmlns:p="http://schemas.openxmlformats.org/presentationml/2006/main">
   <p:cSld>
     <p:spTree>
@@ -9003,7 +9473,244 @@
 </p:sld>
 </file>
 
-<file path=ppt/slides/slide19.xml><?xml version="1.0" encoding="utf-8"?>
+<file path=ppt/slides/slide2.xml><?xml version="1.0" encoding="utf-8"?>
+<p:sld xmlns:a="http://schemas.openxmlformats.org/drawingml/2006/main" xmlns:r="http://schemas.openxmlformats.org/officeDocument/2006/relationships" xmlns:p="http://schemas.openxmlformats.org/presentationml/2006/main">
+  <p:cSld>
+    <p:spTree>
+      <p:nvGrpSpPr>
+        <p:cNvPr id="1" name=""/>
+        <p:cNvGrpSpPr/>
+        <p:nvPr/>
+      </p:nvGrpSpPr>
+      <p:grpSpPr>
+        <a:xfrm>
+          <a:off x="0" y="0"/>
+          <a:ext cx="0" cy="0"/>
+          <a:chOff x="0" y="0"/>
+          <a:chExt cx="0" cy="0"/>
+        </a:xfrm>
+      </p:grpSpPr>
+      <p:sp>
+        <p:nvSpPr>
+          <p:cNvPr id="2" name="标题 1"/>
+          <p:cNvSpPr>
+            <a:spLocks noGrp="1"/>
+          </p:cNvSpPr>
+          <p:nvPr>
+            <p:ph type="title"/>
+          </p:nvPr>
+        </p:nvSpPr>
+        <p:spPr>
+          <a:xfrm>
+            <a:off x="1358462" y="2375229"/>
+            <a:ext cx="9275379" cy="990709"/>
+          </a:xfrm>
+        </p:spPr>
+        <p:txBody>
+          <a:bodyPr>
+            <a:normAutofit/>
+          </a:bodyPr>
+          <a:lstStyle/>
+          <a:p>
+            <a:pPr algn="ctr"/>
+            <a:r>
+              <a:rPr lang="zh-CN" altLang="en-US" sz="2400" dirty="0" smtClean="0"/>
+              <a:t>什么是全文检索</a:t>
+            </a:r>
+            <a:r>
+              <a:rPr lang="zh-CN" altLang="en-US" sz="2400" dirty="0"/>
+              <a:t>（</a:t>
+            </a:r>
+            <a:r>
+              <a:rPr lang="en-US" altLang="zh-CN" sz="2400" dirty="0"/>
+              <a:t>Full-Text Search</a:t>
+            </a:r>
+            <a:r>
+              <a:rPr lang="zh-CN" altLang="en-US" sz="2400" dirty="0" smtClean="0"/>
+              <a:t>）？</a:t>
+            </a:r>
+            <a:endParaRPr lang="zh-CN" altLang="en-US" sz="2400" dirty="0"/>
+          </a:p>
+        </p:txBody>
+      </p:sp>
+      <p:sp>
+        <p:nvSpPr>
+          <p:cNvPr id="5" name="文本框 4"/>
+          <p:cNvSpPr txBox="1"/>
+          <p:nvPr/>
+        </p:nvSpPr>
+        <p:spPr>
+          <a:xfrm>
+            <a:off x="2095083" y="3878317"/>
+            <a:ext cx="7802136" cy="369332"/>
+          </a:xfrm>
+          <a:prstGeom prst="rect">
+            <a:avLst/>
+          </a:prstGeom>
+          <a:noFill/>
+        </p:spPr>
+        <p:txBody>
+          <a:bodyPr wrap="none" rtlCol="0">
+            <a:spAutoFit/>
+          </a:bodyPr>
+          <a:lstStyle/>
+          <a:p>
+            <a:r>
+              <a:rPr lang="zh-CN" altLang="en-US" dirty="0"/>
+              <a:t>全文检索就是先对文章分词，对分词创建索引，最后对索引检索的一种技术</a:t>
+            </a:r>
+            <a:endParaRPr lang="zh-CN" altLang="en-US" dirty="0">
+              <a:effectLst/>
+            </a:endParaRPr>
+          </a:p>
+        </p:txBody>
+      </p:sp>
+    </p:spTree>
+    <p:extLst>
+      <p:ext uri="{BB962C8B-B14F-4D97-AF65-F5344CB8AC3E}">
+        <p14:creationId xmlns:p14="http://schemas.microsoft.com/office/powerpoint/2010/main" val="1386933743"/>
+      </p:ext>
+    </p:extLst>
+  </p:cSld>
+  <p:clrMapOvr>
+    <a:masterClrMapping/>
+  </p:clrMapOvr>
+  <mc:AlternateContent xmlns:mc="http://schemas.openxmlformats.org/markup-compatibility/2006" xmlns:p14="http://schemas.microsoft.com/office/powerpoint/2010/main">
+    <mc:Choice Requires="p14">
+      <p:transition p14:dur="0"/>
+    </mc:Choice>
+    <mc:Fallback xmlns="">
+      <p:transition/>
+    </mc:Fallback>
+  </mc:AlternateContent>
+  <p:timing>
+    <p:tnLst>
+      <p:par>
+        <p:cTn id="1" dur="indefinite" restart="never" nodeType="tmRoot">
+          <p:childTnLst>
+            <p:seq concurrent="1" nextAc="seek">
+              <p:cTn id="2" dur="indefinite" nodeType="mainSeq">
+                <p:childTnLst>
+                  <p:par>
+                    <p:cTn id="3" fill="hold">
+                      <p:stCondLst>
+                        <p:cond delay="indefinite"/>
+                      </p:stCondLst>
+                      <p:childTnLst>
+                        <p:par>
+                          <p:cTn id="4" fill="hold">
+                            <p:stCondLst>
+                              <p:cond delay="0"/>
+                            </p:stCondLst>
+                            <p:childTnLst>
+                              <p:par>
+                                <p:cTn id="5" presetID="2" presetClass="entr" presetSubtype="4" fill="hold" grpId="0" nodeType="clickEffect">
+                                  <p:stCondLst>
+                                    <p:cond delay="0"/>
+                                  </p:stCondLst>
+                                  <p:childTnLst>
+                                    <p:set>
+                                      <p:cBhvr>
+                                        <p:cTn id="6" dur="1" fill="hold">
+                                          <p:stCondLst>
+                                            <p:cond delay="0"/>
+                                          </p:stCondLst>
+                                        </p:cTn>
+                                        <p:tgtEl>
+                                          <p:spTgt spid="5"/>
+                                        </p:tgtEl>
+                                        <p:attrNameLst>
+                                          <p:attrName>style.visibility</p:attrName>
+                                        </p:attrNameLst>
+                                      </p:cBhvr>
+                                      <p:to>
+                                        <p:strVal val="visible"/>
+                                      </p:to>
+                                    </p:set>
+                                    <p:anim calcmode="lin" valueType="num">
+                                      <p:cBhvr additive="base">
+                                        <p:cTn id="7" dur="500" fill="hold"/>
+                                        <p:tgtEl>
+                                          <p:spTgt spid="5"/>
+                                        </p:tgtEl>
+                                        <p:attrNameLst>
+                                          <p:attrName>ppt_x</p:attrName>
+                                        </p:attrNameLst>
+                                      </p:cBhvr>
+                                      <p:tavLst>
+                                        <p:tav tm="0">
+                                          <p:val>
+                                            <p:strVal val="#ppt_x"/>
+                                          </p:val>
+                                        </p:tav>
+                                        <p:tav tm="100000">
+                                          <p:val>
+                                            <p:strVal val="#ppt_x"/>
+                                          </p:val>
+                                        </p:tav>
+                                      </p:tavLst>
+                                    </p:anim>
+                                    <p:anim calcmode="lin" valueType="num">
+                                      <p:cBhvr additive="base">
+                                        <p:cTn id="8" dur="500" fill="hold"/>
+                                        <p:tgtEl>
+                                          <p:spTgt spid="5"/>
+                                        </p:tgtEl>
+                                        <p:attrNameLst>
+                                          <p:attrName>ppt_y</p:attrName>
+                                        </p:attrNameLst>
+                                      </p:cBhvr>
+                                      <p:tavLst>
+                                        <p:tav tm="0">
+                                          <p:val>
+                                            <p:strVal val="1+#ppt_h/2"/>
+                                          </p:val>
+                                        </p:tav>
+                                        <p:tav tm="100000">
+                                          <p:val>
+                                            <p:strVal val="#ppt_y"/>
+                                          </p:val>
+                                        </p:tav>
+                                      </p:tavLst>
+                                    </p:anim>
+                                  </p:childTnLst>
+                                </p:cTn>
+                              </p:par>
+                            </p:childTnLst>
+                          </p:cTn>
+                        </p:par>
+                      </p:childTnLst>
+                    </p:cTn>
+                  </p:par>
+                </p:childTnLst>
+              </p:cTn>
+              <p:prevCondLst>
+                <p:cond evt="onPrev" delay="0">
+                  <p:tgtEl>
+                    <p:sldTgt/>
+                  </p:tgtEl>
+                </p:cond>
+              </p:prevCondLst>
+              <p:nextCondLst>
+                <p:cond evt="onNext" delay="0">
+                  <p:tgtEl>
+                    <p:sldTgt/>
+                  </p:tgtEl>
+                </p:cond>
+              </p:nextCondLst>
+            </p:seq>
+          </p:childTnLst>
+        </p:cTn>
+      </p:par>
+    </p:tnLst>
+    <p:bldLst>
+      <p:bldP spid="5" grpId="0"/>
+    </p:bldLst>
+  </p:timing>
+</p:sld>
+</file>
+
+<file path=ppt/slides/slide20.xml><?xml version="1.0" encoding="utf-8"?>
 <p:sld xmlns:a="http://schemas.openxmlformats.org/drawingml/2006/main" xmlns:r="http://schemas.openxmlformats.org/officeDocument/2006/relationships" xmlns:p="http://schemas.openxmlformats.org/presentationml/2006/main">
   <p:cSld>
     <p:spTree>
@@ -9560,244 +10267,7 @@
 </p:sld>
 </file>
 
-<file path=ppt/slides/slide2.xml><?xml version="1.0" encoding="utf-8"?>
-<p:sld xmlns:a="http://schemas.openxmlformats.org/drawingml/2006/main" xmlns:r="http://schemas.openxmlformats.org/officeDocument/2006/relationships" xmlns:p="http://schemas.openxmlformats.org/presentationml/2006/main">
-  <p:cSld>
-    <p:spTree>
-      <p:nvGrpSpPr>
-        <p:cNvPr id="1" name=""/>
-        <p:cNvGrpSpPr/>
-        <p:nvPr/>
-      </p:nvGrpSpPr>
-      <p:grpSpPr>
-        <a:xfrm>
-          <a:off x="0" y="0"/>
-          <a:ext cx="0" cy="0"/>
-          <a:chOff x="0" y="0"/>
-          <a:chExt cx="0" cy="0"/>
-        </a:xfrm>
-      </p:grpSpPr>
-      <p:sp>
-        <p:nvSpPr>
-          <p:cNvPr id="2" name="标题 1"/>
-          <p:cNvSpPr>
-            <a:spLocks noGrp="1"/>
-          </p:cNvSpPr>
-          <p:nvPr>
-            <p:ph type="title"/>
-          </p:nvPr>
-        </p:nvSpPr>
-        <p:spPr>
-          <a:xfrm>
-            <a:off x="1358462" y="2375229"/>
-            <a:ext cx="9275379" cy="990709"/>
-          </a:xfrm>
-        </p:spPr>
-        <p:txBody>
-          <a:bodyPr>
-            <a:normAutofit/>
-          </a:bodyPr>
-          <a:lstStyle/>
-          <a:p>
-            <a:pPr algn="ctr"/>
-            <a:r>
-              <a:rPr lang="zh-CN" altLang="en-US" sz="2400" dirty="0" smtClean="0"/>
-              <a:t>什么是全文检索</a:t>
-            </a:r>
-            <a:r>
-              <a:rPr lang="zh-CN" altLang="en-US" sz="2400" dirty="0"/>
-              <a:t>（</a:t>
-            </a:r>
-            <a:r>
-              <a:rPr lang="en-US" altLang="zh-CN" sz="2400" dirty="0"/>
-              <a:t>Full-Text Search</a:t>
-            </a:r>
-            <a:r>
-              <a:rPr lang="zh-CN" altLang="en-US" sz="2400" dirty="0" smtClean="0"/>
-              <a:t>）？</a:t>
-            </a:r>
-            <a:endParaRPr lang="zh-CN" altLang="en-US" sz="2400" dirty="0"/>
-          </a:p>
-        </p:txBody>
-      </p:sp>
-      <p:sp>
-        <p:nvSpPr>
-          <p:cNvPr id="5" name="文本框 4"/>
-          <p:cNvSpPr txBox="1"/>
-          <p:nvPr/>
-        </p:nvSpPr>
-        <p:spPr>
-          <a:xfrm>
-            <a:off x="2664372" y="3838903"/>
-            <a:ext cx="6878806" cy="369332"/>
-          </a:xfrm>
-          <a:prstGeom prst="rect">
-            <a:avLst/>
-          </a:prstGeom>
-          <a:noFill/>
-        </p:spPr>
-        <p:txBody>
-          <a:bodyPr wrap="none" rtlCol="0">
-            <a:spAutoFit/>
-          </a:bodyPr>
-          <a:lstStyle/>
-          <a:p>
-            <a:pPr algn="ctr"/>
-            <a:r>
-              <a:rPr lang="zh-CN" altLang="en-US" dirty="0" smtClean="0">
-                <a:effectLst/>
-              </a:rPr>
-              <a:t>将存储于数据库中的整篇文章中的任意内容信息查找出来的技术</a:t>
-            </a:r>
-          </a:p>
-        </p:txBody>
-      </p:sp>
-    </p:spTree>
-    <p:extLst>
-      <p:ext uri="{BB962C8B-B14F-4D97-AF65-F5344CB8AC3E}">
-        <p14:creationId xmlns:p14="http://schemas.microsoft.com/office/powerpoint/2010/main" val="1386933743"/>
-      </p:ext>
-    </p:extLst>
-  </p:cSld>
-  <p:clrMapOvr>
-    <a:masterClrMapping/>
-  </p:clrMapOvr>
-  <mc:AlternateContent xmlns:mc="http://schemas.openxmlformats.org/markup-compatibility/2006" xmlns:p14="http://schemas.microsoft.com/office/powerpoint/2010/main">
-    <mc:Choice Requires="p14">
-      <p:transition p14:dur="0"/>
-    </mc:Choice>
-    <mc:Fallback xmlns="">
-      <p:transition/>
-    </mc:Fallback>
-  </mc:AlternateContent>
-  <p:timing>
-    <p:tnLst>
-      <p:par>
-        <p:cTn id="1" dur="indefinite" restart="never" nodeType="tmRoot">
-          <p:childTnLst>
-            <p:seq concurrent="1" nextAc="seek">
-              <p:cTn id="2" dur="indefinite" nodeType="mainSeq">
-                <p:childTnLst>
-                  <p:par>
-                    <p:cTn id="3" fill="hold">
-                      <p:stCondLst>
-                        <p:cond delay="indefinite"/>
-                      </p:stCondLst>
-                      <p:childTnLst>
-                        <p:par>
-                          <p:cTn id="4" fill="hold">
-                            <p:stCondLst>
-                              <p:cond delay="0"/>
-                            </p:stCondLst>
-                            <p:childTnLst>
-                              <p:par>
-                                <p:cTn id="5" presetID="2" presetClass="entr" presetSubtype="4" fill="hold" grpId="0" nodeType="clickEffect">
-                                  <p:stCondLst>
-                                    <p:cond delay="0"/>
-                                  </p:stCondLst>
-                                  <p:childTnLst>
-                                    <p:set>
-                                      <p:cBhvr>
-                                        <p:cTn id="6" dur="1" fill="hold">
-                                          <p:stCondLst>
-                                            <p:cond delay="0"/>
-                                          </p:stCondLst>
-                                        </p:cTn>
-                                        <p:tgtEl>
-                                          <p:spTgt spid="5"/>
-                                        </p:tgtEl>
-                                        <p:attrNameLst>
-                                          <p:attrName>style.visibility</p:attrName>
-                                        </p:attrNameLst>
-                                      </p:cBhvr>
-                                      <p:to>
-                                        <p:strVal val="visible"/>
-                                      </p:to>
-                                    </p:set>
-                                    <p:anim calcmode="lin" valueType="num">
-                                      <p:cBhvr additive="base">
-                                        <p:cTn id="7" dur="500" fill="hold"/>
-                                        <p:tgtEl>
-                                          <p:spTgt spid="5"/>
-                                        </p:tgtEl>
-                                        <p:attrNameLst>
-                                          <p:attrName>ppt_x</p:attrName>
-                                        </p:attrNameLst>
-                                      </p:cBhvr>
-                                      <p:tavLst>
-                                        <p:tav tm="0">
-                                          <p:val>
-                                            <p:strVal val="#ppt_x"/>
-                                          </p:val>
-                                        </p:tav>
-                                        <p:tav tm="100000">
-                                          <p:val>
-                                            <p:strVal val="#ppt_x"/>
-                                          </p:val>
-                                        </p:tav>
-                                      </p:tavLst>
-                                    </p:anim>
-                                    <p:anim calcmode="lin" valueType="num">
-                                      <p:cBhvr additive="base">
-                                        <p:cTn id="8" dur="500" fill="hold"/>
-                                        <p:tgtEl>
-                                          <p:spTgt spid="5"/>
-                                        </p:tgtEl>
-                                        <p:attrNameLst>
-                                          <p:attrName>ppt_y</p:attrName>
-                                        </p:attrNameLst>
-                                      </p:cBhvr>
-                                      <p:tavLst>
-                                        <p:tav tm="0">
-                                          <p:val>
-                                            <p:strVal val="1+#ppt_h/2"/>
-                                          </p:val>
-                                        </p:tav>
-                                        <p:tav tm="100000">
-                                          <p:val>
-                                            <p:strVal val="#ppt_y"/>
-                                          </p:val>
-                                        </p:tav>
-                                      </p:tavLst>
-                                    </p:anim>
-                                  </p:childTnLst>
-                                </p:cTn>
-                              </p:par>
-                            </p:childTnLst>
-                          </p:cTn>
-                        </p:par>
-                      </p:childTnLst>
-                    </p:cTn>
-                  </p:par>
-                </p:childTnLst>
-              </p:cTn>
-              <p:prevCondLst>
-                <p:cond evt="onPrev" delay="0">
-                  <p:tgtEl>
-                    <p:sldTgt/>
-                  </p:tgtEl>
-                </p:cond>
-              </p:prevCondLst>
-              <p:nextCondLst>
-                <p:cond evt="onNext" delay="0">
-                  <p:tgtEl>
-                    <p:sldTgt/>
-                  </p:tgtEl>
-                </p:cond>
-              </p:nextCondLst>
-            </p:seq>
-          </p:childTnLst>
-        </p:cTn>
-      </p:par>
-    </p:tnLst>
-    <p:bldLst>
-      <p:bldP spid="5" grpId="0"/>
-    </p:bldLst>
-  </p:timing>
-</p:sld>
-</file>
-
-<file path=ppt/slides/slide20.xml><?xml version="1.0" encoding="utf-8"?>
+<file path=ppt/slides/slide21.xml><?xml version="1.0" encoding="utf-8"?>
 <p:sld xmlns:a="http://schemas.openxmlformats.org/drawingml/2006/main" xmlns:r="http://schemas.openxmlformats.org/officeDocument/2006/relationships" xmlns:p="http://schemas.openxmlformats.org/presentationml/2006/main">
   <p:cSld>
     <p:spTree>
@@ -9985,7 +10455,7 @@
 </p:sld>
 </file>
 
-<file path=ppt/slides/slide21.xml><?xml version="1.0" encoding="utf-8"?>
+<file path=ppt/slides/slide22.xml><?xml version="1.0" encoding="utf-8"?>
 <p:sld xmlns:a="http://schemas.openxmlformats.org/drawingml/2006/main" xmlns:r="http://schemas.openxmlformats.org/officeDocument/2006/relationships" xmlns:p="http://schemas.openxmlformats.org/presentationml/2006/main">
   <p:cSld>
     <p:spTree>
@@ -10139,7 +10609,7 @@
 </p:sld>
 </file>
 
-<file path=ppt/slides/slide22.xml><?xml version="1.0" encoding="utf-8"?>
+<file path=ppt/slides/slide23.xml><?xml version="1.0" encoding="utf-8"?>
 <p:sld xmlns:a="http://schemas.openxmlformats.org/drawingml/2006/main" xmlns:r="http://schemas.openxmlformats.org/officeDocument/2006/relationships" xmlns:p="http://schemas.openxmlformats.org/presentationml/2006/main">
   <p:cSld>
     <p:spTree>
@@ -10289,7 +10759,7 @@
 </p:sld>
 </file>
 
-<file path=ppt/slides/slide23.xml><?xml version="1.0" encoding="utf-8"?>
+<file path=ppt/slides/slide24.xml><?xml version="1.0" encoding="utf-8"?>
 <p:sld xmlns:a="http://schemas.openxmlformats.org/drawingml/2006/main" xmlns:r="http://schemas.openxmlformats.org/officeDocument/2006/relationships" xmlns:p="http://schemas.openxmlformats.org/presentationml/2006/main">
   <p:cSld>
     <p:spTree>
@@ -10374,7 +10844,7 @@
 </p:sld>
 </file>
 
-<file path=ppt/slides/slide24.xml><?xml version="1.0" encoding="utf-8"?>
+<file path=ppt/slides/slide25.xml><?xml version="1.0" encoding="utf-8"?>
 <p:sld xmlns:a="http://schemas.openxmlformats.org/drawingml/2006/main" xmlns:r="http://schemas.openxmlformats.org/officeDocument/2006/relationships" xmlns:p="http://schemas.openxmlformats.org/presentationml/2006/main">
   <p:cSld>
     <p:spTree>
@@ -10458,6 +10928,85 @@
 </file>
 
 <file path=ppt/slides/slide3.xml><?xml version="1.0" encoding="utf-8"?>
+<p:sld xmlns:a="http://schemas.openxmlformats.org/drawingml/2006/main" xmlns:r="http://schemas.openxmlformats.org/officeDocument/2006/relationships" xmlns:p="http://schemas.openxmlformats.org/presentationml/2006/main">
+  <p:cSld>
+    <p:spTree>
+      <p:nvGrpSpPr>
+        <p:cNvPr id="1" name=""/>
+        <p:cNvGrpSpPr/>
+        <p:nvPr/>
+      </p:nvGrpSpPr>
+      <p:grpSpPr>
+        <a:xfrm>
+          <a:off x="0" y="0"/>
+          <a:ext cx="0" cy="0"/>
+          <a:chOff x="0" y="0"/>
+          <a:chExt cx="0" cy="0"/>
+        </a:xfrm>
+      </p:grpSpPr>
+      <p:sp>
+        <p:nvSpPr>
+          <p:cNvPr id="2" name="标题 1"/>
+          <p:cNvSpPr>
+            <a:spLocks noGrp="1"/>
+          </p:cNvSpPr>
+          <p:nvPr>
+            <p:ph type="title"/>
+          </p:nvPr>
+        </p:nvSpPr>
+        <p:spPr/>
+        <p:txBody>
+          <a:bodyPr/>
+          <a:lstStyle/>
+          <a:p>
+            <a:r>
+              <a:rPr lang="zh-CN" altLang="en-US" dirty="0" smtClean="0"/>
+              <a:t>索引和搜索流程图</a:t>
+            </a:r>
+            <a:endParaRPr lang="zh-CN" altLang="en-US" dirty="0"/>
+          </a:p>
+        </p:txBody>
+      </p:sp>
+      <p:pic>
+        <p:nvPicPr>
+          <p:cNvPr id="4" name="内容占位符 3"/>
+          <p:cNvPicPr>
+            <a:picLocks noGrp="1" noChangeAspect="1"/>
+          </p:cNvPicPr>
+          <p:nvPr>
+            <p:ph idx="1"/>
+          </p:nvPr>
+        </p:nvPicPr>
+        <p:blipFill>
+          <a:blip r:embed="rId2"/>
+          <a:stretch>
+            <a:fillRect/>
+          </a:stretch>
+        </p:blipFill>
+        <p:spPr>
+          <a:xfrm>
+            <a:off x="2377328" y="2160588"/>
+            <a:ext cx="5197382" cy="3881437"/>
+          </a:xfrm>
+          <a:prstGeom prst="rect">
+            <a:avLst/>
+          </a:prstGeom>
+        </p:spPr>
+      </p:pic>
+    </p:spTree>
+    <p:extLst>
+      <p:ext uri="{BB962C8B-B14F-4D97-AF65-F5344CB8AC3E}">
+        <p14:creationId xmlns:p14="http://schemas.microsoft.com/office/powerpoint/2010/main" val="837359903"/>
+      </p:ext>
+    </p:extLst>
+  </p:cSld>
+  <p:clrMapOvr>
+    <a:masterClrMapping/>
+  </p:clrMapOvr>
+</p:sld>
+</file>
+
+<file path=ppt/slides/slide4.xml><?xml version="1.0" encoding="utf-8"?>
 <p:sld xmlns:a="http://schemas.openxmlformats.org/drawingml/2006/main" xmlns:r="http://schemas.openxmlformats.org/officeDocument/2006/relationships" xmlns:p="http://schemas.openxmlformats.org/presentationml/2006/main">
   <p:cSld>
     <p:spTree>
@@ -10854,7 +11403,7 @@
 </p:sld>
 </file>
 
-<file path=ppt/slides/slide4.xml><?xml version="1.0" encoding="utf-8"?>
+<file path=ppt/slides/slide5.xml><?xml version="1.0" encoding="utf-8"?>
 <p:sld xmlns:a="http://schemas.openxmlformats.org/drawingml/2006/main" xmlns:r="http://schemas.openxmlformats.org/officeDocument/2006/relationships" xmlns:p="http://schemas.openxmlformats.org/presentationml/2006/main">
   <p:cSld>
     <p:spTree>
@@ -11119,7 +11668,7 @@
 </p:sld>
 </file>
 
-<file path=ppt/slides/slide5.xml><?xml version="1.0" encoding="utf-8"?>
+<file path=ppt/slides/slide6.xml><?xml version="1.0" encoding="utf-8"?>
 <p:sld xmlns:a="http://schemas.openxmlformats.org/drawingml/2006/main" xmlns:r="http://schemas.openxmlformats.org/officeDocument/2006/relationships" xmlns:p="http://schemas.openxmlformats.org/presentationml/2006/main">
   <p:cSld>
     <p:spTree>
@@ -11310,7 +11859,7 @@
 </p:sld>
 </file>
 
-<file path=ppt/slides/slide6.xml><?xml version="1.0" encoding="utf-8"?>
+<file path=ppt/slides/slide7.xml><?xml version="1.0" encoding="utf-8"?>
 <p:sld xmlns:a="http://schemas.openxmlformats.org/drawingml/2006/main" xmlns:r="http://schemas.openxmlformats.org/officeDocument/2006/relationships" xmlns:p="http://schemas.openxmlformats.org/presentationml/2006/main">
   <p:cSld>
     <p:spTree>
@@ -11420,7 +11969,7 @@
 </p:sld>
 </file>
 
-<file path=ppt/slides/slide7.xml><?xml version="1.0" encoding="utf-8"?>
+<file path=ppt/slides/slide8.xml><?xml version="1.0" encoding="utf-8"?>
 <p:sld xmlns:a="http://schemas.openxmlformats.org/drawingml/2006/main" xmlns:r="http://schemas.openxmlformats.org/officeDocument/2006/relationships" xmlns:p="http://schemas.openxmlformats.org/presentationml/2006/main">
   <p:cSld>
     <p:spTree>
@@ -11534,186 +12083,6 @@
 </p:sld>
 </file>
 
-<file path=ppt/slides/slide8.xml><?xml version="1.0" encoding="utf-8"?>
-<p:sld xmlns:a="http://schemas.openxmlformats.org/drawingml/2006/main" xmlns:r="http://schemas.openxmlformats.org/officeDocument/2006/relationships" xmlns:p="http://schemas.openxmlformats.org/presentationml/2006/main">
-  <p:cSld>
-    <p:spTree>
-      <p:nvGrpSpPr>
-        <p:cNvPr id="1" name=""/>
-        <p:cNvGrpSpPr/>
-        <p:nvPr/>
-      </p:nvGrpSpPr>
-      <p:grpSpPr>
-        <a:xfrm>
-          <a:off x="0" y="0"/>
-          <a:ext cx="0" cy="0"/>
-          <a:chOff x="0" y="0"/>
-          <a:chExt cx="0" cy="0"/>
-        </a:xfrm>
-      </p:grpSpPr>
-      <p:sp>
-        <p:nvSpPr>
-          <p:cNvPr id="2" name="标题 1"/>
-          <p:cNvSpPr>
-            <a:spLocks noGrp="1"/>
-          </p:cNvSpPr>
-          <p:nvPr>
-            <p:ph type="title"/>
-          </p:nvPr>
-        </p:nvSpPr>
-        <p:spPr/>
-        <p:txBody>
-          <a:bodyPr/>
-          <a:lstStyle/>
-          <a:p>
-            <a:r>
-              <a:rPr lang="en-US" altLang="zh-CN" dirty="0"/>
-              <a:t>inverted file </a:t>
-            </a:r>
-            <a:r>
-              <a:rPr lang="en-US" altLang="zh-CN" dirty="0" smtClean="0"/>
-              <a:t>index </a:t>
-            </a:r>
-            <a:r>
-              <a:rPr lang="en-US" altLang="zh-CN" dirty="0" smtClean="0">
-                <a:solidFill>
-                  <a:srgbClr val="FF0000"/>
-                </a:solidFill>
-              </a:rPr>
-              <a:t>VS</a:t>
-            </a:r>
-            <a:r>
-              <a:rPr lang="en-US" altLang="zh-CN" dirty="0" smtClean="0"/>
-              <a:t> </a:t>
-            </a:r>
-            <a:r>
-              <a:rPr lang="en-US" altLang="zh-CN" dirty="0"/>
-              <a:t>full inverted index</a:t>
-            </a:r>
-            <a:endParaRPr lang="zh-CN" altLang="en-US" dirty="0"/>
-          </a:p>
-        </p:txBody>
-      </p:sp>
-      <p:sp>
-        <p:nvSpPr>
-          <p:cNvPr id="3" name="内容占位符 2"/>
-          <p:cNvSpPr>
-            <a:spLocks noGrp="1"/>
-          </p:cNvSpPr>
-          <p:nvPr>
-            <p:ph idx="1"/>
-          </p:nvPr>
-        </p:nvSpPr>
-        <p:spPr/>
-        <p:txBody>
-          <a:bodyPr/>
-          <a:lstStyle/>
-          <a:p>
-            <a:r>
-              <a:rPr lang="en-US" altLang="zh-CN" dirty="0" smtClean="0"/>
-              <a:t>Full inverted index </a:t>
-            </a:r>
-            <a:r>
-              <a:rPr lang="zh-CN" altLang="en-US" dirty="0" smtClean="0"/>
-              <a:t>存储了单词所在的位置信息，占用</a:t>
-            </a:r>
-            <a:r>
-              <a:rPr lang="zh-CN" altLang="en-US" dirty="0"/>
-              <a:t>更多的空间，但是能更好地定位数据，并</a:t>
-            </a:r>
-            <a:r>
-              <a:rPr lang="zh-CN" altLang="en-US" dirty="0" smtClean="0"/>
-              <a:t>扩充</a:t>
-            </a:r>
-            <a:r>
-              <a:rPr lang="zh-CN" altLang="en-US" dirty="0"/>
-              <a:t>一些其他的搜索特性</a:t>
-            </a:r>
-            <a:r>
-              <a:rPr lang="zh-CN" altLang="en-US" dirty="0" smtClean="0"/>
-              <a:t>。</a:t>
-            </a:r>
-            <a:endParaRPr lang="en-US" altLang="zh-CN" dirty="0" smtClean="0"/>
-          </a:p>
-          <a:p>
-            <a:r>
-              <a:rPr lang="en-US" altLang="zh-CN" dirty="0" err="1" smtClean="0"/>
-              <a:t>InnoDB</a:t>
-            </a:r>
-            <a:r>
-              <a:rPr lang="zh-CN" altLang="en-US" dirty="0" smtClean="0"/>
-              <a:t>采用了</a:t>
-            </a:r>
-            <a:r>
-              <a:rPr lang="en-US" altLang="zh-CN" dirty="0" smtClean="0"/>
-              <a:t>Full inverted index </a:t>
-            </a:r>
-            <a:r>
-              <a:rPr lang="zh-CN" altLang="en-US" dirty="0" smtClean="0"/>
-              <a:t>存放了</a:t>
-            </a:r>
-            <a:r>
-              <a:rPr lang="en-US" altLang="zh-CN" dirty="0" smtClean="0"/>
-              <a:t>Position</a:t>
-            </a:r>
-            <a:r>
-              <a:rPr lang="zh-CN" altLang="en-US" dirty="0" smtClean="0"/>
-              <a:t>信息，故可以进行</a:t>
-            </a:r>
-            <a:r>
-              <a:rPr lang="en-US" altLang="zh-CN" dirty="0" smtClean="0"/>
-              <a:t>Proximity Search</a:t>
-            </a:r>
-            <a:r>
-              <a:rPr lang="zh-CN" altLang="en-US" dirty="0"/>
-              <a:t>（邻近搜索）</a:t>
-            </a:r>
-            <a:r>
-              <a:rPr lang="en-US" altLang="zh-CN" dirty="0" smtClean="0"/>
-              <a:t>,</a:t>
-            </a:r>
-            <a:r>
-              <a:rPr lang="zh-CN" altLang="en-US" dirty="0" smtClean="0"/>
-              <a:t>而</a:t>
-            </a:r>
-            <a:r>
-              <a:rPr lang="en-US" altLang="zh-CN" dirty="0" err="1" smtClean="0"/>
-              <a:t>MyISAM</a:t>
-            </a:r>
-            <a:r>
-              <a:rPr lang="zh-CN" altLang="en-US" dirty="0" smtClean="0"/>
-              <a:t>存储引擎不支持改特性</a:t>
-            </a:r>
-            <a:endParaRPr lang="en-US" altLang="zh-CN" dirty="0" smtClean="0"/>
-          </a:p>
-          <a:p>
-            <a:endParaRPr lang="en-US" altLang="zh-CN" dirty="0" smtClean="0"/>
-          </a:p>
-          <a:p>
-            <a:endParaRPr lang="zh-CN" altLang="en-US" dirty="0"/>
-          </a:p>
-        </p:txBody>
-      </p:sp>
-    </p:spTree>
-    <p:extLst>
-      <p:ext uri="{BB962C8B-B14F-4D97-AF65-F5344CB8AC3E}">
-        <p14:creationId xmlns:p14="http://schemas.microsoft.com/office/powerpoint/2010/main" val="2657726616"/>
-      </p:ext>
-    </p:extLst>
-  </p:cSld>
-  <p:clrMapOvr>
-    <a:masterClrMapping/>
-  </p:clrMapOvr>
-  <p:timing>
-    <p:tnLst>
-      <p:par>
-        <p:cTn id="1" dur="indefinite" restart="never" nodeType="tmRoot"/>
-      </p:par>
-    </p:tnLst>
-  </p:timing>
-</p:sld>
-</file>
-
 <file path=ppt/slides/slide9.xml><?xml version="1.0" encoding="utf-8"?>
 <p:sld xmlns:a="http://schemas.openxmlformats.org/drawingml/2006/main" xmlns:r="http://schemas.openxmlformats.org/officeDocument/2006/relationships" xmlns:p="http://schemas.openxmlformats.org/presentationml/2006/main">
   <p:cSld>
@@ -11741,25 +12110,135 @@
             <p:ph type="title"/>
           </p:nvPr>
         </p:nvSpPr>
-        <p:spPr>
-          <a:xfrm>
-            <a:off x="1204556" y="3056238"/>
-            <a:ext cx="8596668" cy="1320800"/>
-          </a:xfrm>
-        </p:spPr>
+        <p:spPr/>
         <p:txBody>
           <a:bodyPr/>
           <a:lstStyle/>
           <a:p>
-            <a:pPr algn="ctr"/>
+            <a:r>
+              <a:rPr lang="en-US" altLang="zh-CN" dirty="0"/>
+              <a:t>inverted file </a:t>
+            </a:r>
+            <a:r>
+              <a:rPr lang="en-US" altLang="zh-CN" dirty="0" smtClean="0"/>
+              <a:t>index </a:t>
+            </a:r>
+            <a:r>
+              <a:rPr lang="en-US" altLang="zh-CN" dirty="0" smtClean="0">
+                <a:solidFill>
+                  <a:srgbClr val="FF0000"/>
+                </a:solidFill>
+              </a:rPr>
+              <a:t>VS</a:t>
+            </a:r>
+            <a:r>
+              <a:rPr lang="en-US" altLang="zh-CN" dirty="0" smtClean="0"/>
+              <a:t> </a:t>
+            </a:r>
+            <a:r>
+              <a:rPr lang="en-US" altLang="zh-CN" dirty="0"/>
+              <a:t>full inverted index</a:t>
+            </a:r>
+            <a:endParaRPr lang="zh-CN" altLang="en-US" dirty="0"/>
+          </a:p>
+        </p:txBody>
+      </p:sp>
+      <p:sp>
+        <p:nvSpPr>
+          <p:cNvPr id="3" name="内容占位符 2"/>
+          <p:cNvSpPr>
+            <a:spLocks noGrp="1"/>
+          </p:cNvSpPr>
+          <p:nvPr>
+            <p:ph idx="1"/>
+          </p:nvPr>
+        </p:nvSpPr>
+        <p:spPr/>
+        <p:txBody>
+          <a:bodyPr/>
+          <a:lstStyle/>
+          <a:p>
+            <a:r>
+              <a:rPr lang="en-US" altLang="zh-CN" dirty="0" smtClean="0"/>
+              <a:t>Full inverted index </a:t>
+            </a:r>
+            <a:r>
+              <a:rPr lang="zh-CN" altLang="en-US" dirty="0" smtClean="0"/>
+              <a:t>存储了单词所在的位置信息，占用</a:t>
+            </a:r>
+            <a:r>
+              <a:rPr lang="zh-CN" altLang="en-US" dirty="0"/>
+              <a:t>更多的空间，但是能更好地定位数据，并</a:t>
+            </a:r>
+            <a:r>
+              <a:rPr lang="zh-CN" altLang="en-US" dirty="0" smtClean="0"/>
+              <a:t>扩充</a:t>
+            </a:r>
+            <a:r>
+              <a:rPr lang="zh-CN" altLang="en-US" dirty="0"/>
+              <a:t>一些其他的搜索特性</a:t>
+            </a:r>
+            <a:r>
+              <a:rPr lang="zh-CN" altLang="en-US" dirty="0" smtClean="0"/>
+              <a:t>。</a:t>
+            </a:r>
+            <a:endParaRPr lang="en-US" altLang="zh-CN" dirty="0" smtClean="0"/>
+          </a:p>
+          <a:p>
             <a:r>
               <a:rPr lang="en-US" altLang="zh-CN" dirty="0" err="1" smtClean="0"/>
               <a:t>InnoDB</a:t>
             </a:r>
             <a:r>
               <a:rPr lang="zh-CN" altLang="en-US" dirty="0" smtClean="0"/>
-              <a:t>中的全文检索</a:t>
-            </a:r>
+              <a:t>采用了</a:t>
+            </a:r>
+            <a:r>
+              <a:rPr lang="en-US" altLang="zh-CN" dirty="0" smtClean="0"/>
+              <a:t>Full inverted index </a:t>
+            </a:r>
+            <a:r>
+              <a:rPr lang="zh-CN" altLang="en-US" dirty="0" smtClean="0"/>
+              <a:t>存放了</a:t>
+            </a:r>
+            <a:r>
+              <a:rPr lang="en-US" altLang="zh-CN" dirty="0" smtClean="0"/>
+              <a:t>Position</a:t>
+            </a:r>
+            <a:r>
+              <a:rPr lang="zh-CN" altLang="en-US" dirty="0" smtClean="0"/>
+              <a:t>信息，故可以进行</a:t>
+            </a:r>
+            <a:r>
+              <a:rPr lang="en-US" altLang="zh-CN" dirty="0" smtClean="0"/>
+              <a:t>Proximity Search</a:t>
+            </a:r>
+            <a:r>
+              <a:rPr lang="zh-CN" altLang="en-US" dirty="0"/>
+              <a:t>（邻近搜索）</a:t>
+            </a:r>
+            <a:r>
+              <a:rPr lang="en-US" altLang="zh-CN" dirty="0" smtClean="0"/>
+              <a:t>,</a:t>
+            </a:r>
+            <a:r>
+              <a:rPr lang="zh-CN" altLang="en-US" dirty="0" smtClean="0"/>
+              <a:t>而</a:t>
+            </a:r>
+            <a:r>
+              <a:rPr lang="en-US" altLang="zh-CN" dirty="0" err="1" smtClean="0"/>
+              <a:t>MyISAM</a:t>
+            </a:r>
+            <a:r>
+              <a:rPr lang="zh-CN" altLang="en-US" dirty="0" smtClean="0"/>
+              <a:t>存储引擎不支持改特性</a:t>
+            </a:r>
+            <a:endParaRPr lang="en-US" altLang="zh-CN" dirty="0" smtClean="0"/>
+          </a:p>
+          <a:p>
+            <a:endParaRPr lang="en-US" altLang="zh-CN" dirty="0" smtClean="0"/>
+          </a:p>
+          <a:p>
             <a:endParaRPr lang="zh-CN" altLang="en-US" dirty="0"/>
           </a:p>
         </p:txBody>
@@ -11767,7 +12246,7 @@
     </p:spTree>
     <p:extLst>
       <p:ext uri="{BB962C8B-B14F-4D97-AF65-F5344CB8AC3E}">
-        <p14:creationId xmlns:p14="http://schemas.microsoft.com/office/powerpoint/2010/main" val="3023047477"/>
+        <p14:creationId xmlns:p14="http://schemas.microsoft.com/office/powerpoint/2010/main" val="2657726616"/>
       </p:ext>
     </p:extLst>
   </p:cSld>
